--- a/fuentes/contenidos/grado06/guion13/MA_06_13_Mapa_Conceptual.pptx
+++ b/fuentes/contenidos/grado06/guion13/MA_06_13_Mapa_Conceptual.pptx
@@ -106,7 +106,7 @@
   </p:defaultTextStyle>
   <p:extLst>
     <p:ext uri="{EFAFB233-063F-42B5-8137-9DF3F51BA10A}">
-      <p15:sldGuideLst xmlns="" xmlns:p15="http://schemas.microsoft.com/office/powerpoint/2012/main"/>
+      <p15:sldGuideLst xmlns:p15="http://schemas.microsoft.com/office/powerpoint/2012/main" xmlns=""/>
     </p:ext>
   </p:extLst>
 </p:presentation>
@@ -132,7 +132,7 @@
     </p:spTree>
     <p:extLst>
       <p:ext uri="{BB962C8B-B14F-4D97-AF65-F5344CB8AC3E}">
-        <p14:creationId xmlns:p14="http://schemas.microsoft.com/office/powerpoint/2010/main" xmlns="" val="2000257042"/>
+        <p14:creationId xmlns:p14="http://schemas.microsoft.com/office/powerpoint/2010/main" val="2000257042"/>
       </p:ext>
     </p:extLst>
   </p:cSld>
@@ -142,7 +142,7 @@
   <p:timing>
     <p:tnLst>
       <p:par>
-        <p:cTn id="1" dur="indefinite" restart="never" nodeType="tmRoot"/>
+        <p:cTn xmlns:p14="http://schemas.microsoft.com/office/powerpoint/2010/main" id="1" dur="indefinite" restart="never" nodeType="tmRoot"/>
       </p:par>
     </p:tnLst>
   </p:timing>
@@ -169,7 +169,7 @@
     </p:spTree>
     <p:extLst>
       <p:ext uri="{BB962C8B-B14F-4D97-AF65-F5344CB8AC3E}">
-        <p14:creationId xmlns:p14="http://schemas.microsoft.com/office/powerpoint/2010/main" xmlns="" val="1333581381"/>
+        <p14:creationId xmlns:p14="http://schemas.microsoft.com/office/powerpoint/2010/main" val="1333581381"/>
       </p:ext>
     </p:extLst>
   </p:cSld>
@@ -179,7 +179,7 @@
   <p:timing>
     <p:tnLst>
       <p:par>
-        <p:cTn id="1" dur="indefinite" restart="never" nodeType="tmRoot"/>
+        <p:cTn xmlns:p14="http://schemas.microsoft.com/office/powerpoint/2010/main" id="1" dur="indefinite" restart="never" nodeType="tmRoot"/>
       </p:par>
     </p:tnLst>
   </p:timing>
@@ -206,7 +206,7 @@
     </p:spTree>
     <p:extLst>
       <p:ext uri="{BB962C8B-B14F-4D97-AF65-F5344CB8AC3E}">
-        <p14:creationId xmlns:p14="http://schemas.microsoft.com/office/powerpoint/2010/main" xmlns="" val="1891644360"/>
+        <p14:creationId xmlns:p14="http://schemas.microsoft.com/office/powerpoint/2010/main" val="1891644360"/>
       </p:ext>
     </p:extLst>
   </p:cSld>
@@ -216,7 +216,7 @@
   <p:timing>
     <p:tnLst>
       <p:par>
-        <p:cTn id="1" dur="indefinite" restart="never" nodeType="tmRoot"/>
+        <p:cTn xmlns:p14="http://schemas.microsoft.com/office/powerpoint/2010/main" id="1" dur="indefinite" restart="never" nodeType="tmRoot"/>
       </p:par>
     </p:tnLst>
   </p:timing>
@@ -243,7 +243,7 @@
     </p:spTree>
     <p:extLst>
       <p:ext uri="{BB962C8B-B14F-4D97-AF65-F5344CB8AC3E}">
-        <p14:creationId xmlns:p14="http://schemas.microsoft.com/office/powerpoint/2010/main" xmlns="" val="3239374206"/>
+        <p14:creationId xmlns:p14="http://schemas.microsoft.com/office/powerpoint/2010/main" val="3239374206"/>
       </p:ext>
     </p:extLst>
   </p:cSld>
@@ -253,7 +253,7 @@
   <p:timing>
     <p:tnLst>
       <p:par>
-        <p:cTn id="1" dur="indefinite" restart="never" nodeType="tmRoot"/>
+        <p:cTn xmlns:p14="http://schemas.microsoft.com/office/powerpoint/2010/main" id="1" dur="indefinite" restart="never" nodeType="tmRoot"/>
       </p:par>
     </p:tnLst>
   </p:timing>
@@ -280,7 +280,7 @@
     </p:spTree>
     <p:extLst>
       <p:ext uri="{BB962C8B-B14F-4D97-AF65-F5344CB8AC3E}">
-        <p14:creationId xmlns:p14="http://schemas.microsoft.com/office/powerpoint/2010/main" xmlns="" val="307310304"/>
+        <p14:creationId xmlns:p14="http://schemas.microsoft.com/office/powerpoint/2010/main" val="307310304"/>
       </p:ext>
     </p:extLst>
   </p:cSld>
@@ -290,7 +290,7 @@
   <p:timing>
     <p:tnLst>
       <p:par>
-        <p:cTn id="1" dur="indefinite" restart="never" nodeType="tmRoot"/>
+        <p:cTn xmlns:p14="http://schemas.microsoft.com/office/powerpoint/2010/main" id="1" dur="indefinite" restart="never" nodeType="tmRoot"/>
       </p:par>
     </p:tnLst>
   </p:timing>
@@ -317,7 +317,7 @@
     </p:spTree>
     <p:extLst>
       <p:ext uri="{BB962C8B-B14F-4D97-AF65-F5344CB8AC3E}">
-        <p14:creationId xmlns:p14="http://schemas.microsoft.com/office/powerpoint/2010/main" xmlns="" val="3978690955"/>
+        <p14:creationId xmlns:p14="http://schemas.microsoft.com/office/powerpoint/2010/main" val="3978690955"/>
       </p:ext>
     </p:extLst>
   </p:cSld>
@@ -327,7 +327,7 @@
   <p:timing>
     <p:tnLst>
       <p:par>
-        <p:cTn id="1" dur="indefinite" restart="never" nodeType="tmRoot"/>
+        <p:cTn xmlns:p14="http://schemas.microsoft.com/office/powerpoint/2010/main" id="1" dur="indefinite" restart="never" nodeType="tmRoot"/>
       </p:par>
     </p:tnLst>
   </p:timing>
@@ -354,7 +354,7 @@
     </p:spTree>
     <p:extLst>
       <p:ext uri="{BB962C8B-B14F-4D97-AF65-F5344CB8AC3E}">
-        <p14:creationId xmlns:p14="http://schemas.microsoft.com/office/powerpoint/2010/main" xmlns="" val="2351846119"/>
+        <p14:creationId xmlns:p14="http://schemas.microsoft.com/office/powerpoint/2010/main" val="2351846119"/>
       </p:ext>
     </p:extLst>
   </p:cSld>
@@ -364,7 +364,7 @@
   <p:timing>
     <p:tnLst>
       <p:par>
-        <p:cTn id="1" dur="indefinite" restart="never" nodeType="tmRoot"/>
+        <p:cTn xmlns:p14="http://schemas.microsoft.com/office/powerpoint/2010/main" id="1" dur="indefinite" restart="never" nodeType="tmRoot"/>
       </p:par>
     </p:tnLst>
   </p:timing>
@@ -391,7 +391,7 @@
     </p:spTree>
     <p:extLst>
       <p:ext uri="{BB962C8B-B14F-4D97-AF65-F5344CB8AC3E}">
-        <p14:creationId xmlns:p14="http://schemas.microsoft.com/office/powerpoint/2010/main" xmlns="" val="3469546082"/>
+        <p14:creationId xmlns:p14="http://schemas.microsoft.com/office/powerpoint/2010/main" val="3469546082"/>
       </p:ext>
     </p:extLst>
   </p:cSld>
@@ -401,7 +401,7 @@
   <p:timing>
     <p:tnLst>
       <p:par>
-        <p:cTn id="1" dur="indefinite" restart="never" nodeType="tmRoot"/>
+        <p:cTn xmlns:p14="http://schemas.microsoft.com/office/powerpoint/2010/main" id="1" dur="indefinite" restart="never" nodeType="tmRoot"/>
       </p:par>
     </p:tnLst>
   </p:timing>
@@ -451,7 +451,7 @@
             <a:fld id="{5001C876-01F7-4317-94B9-1AE222133113}" type="datetimeFigureOut">
               <a:rPr lang="es-ES" smtClean="0"/>
               <a:pPr/>
-              <a:t>02/03/2016</a:t>
+              <a:t>15/03/16</a:t>
             </a:fld>
             <a:endParaRPr lang="es-ES"/>
           </a:p>
@@ -510,7 +510,7 @@
             <a:fld id="{58140F73-F5A2-4B82-A2FA-BF1850CF1309}" type="slidenum">
               <a:rPr lang="es-ES" smtClean="0"/>
               <a:pPr/>
-              <a:t>‹Nº›</a:t>
+              <a:t>‹Nr.›</a:t>
             </a:fld>
             <a:endParaRPr lang="es-ES"/>
           </a:p>
@@ -519,7 +519,7 @@
     </p:spTree>
     <p:extLst>
       <p:ext uri="{BB962C8B-B14F-4D97-AF65-F5344CB8AC3E}">
-        <p14:creationId xmlns:p14="http://schemas.microsoft.com/office/powerpoint/2010/main" xmlns="" val="1897143918"/>
+        <p14:creationId xmlns:p14="http://schemas.microsoft.com/office/powerpoint/2010/main" val="1897143918"/>
       </p:ext>
     </p:extLst>
   </p:cSld>
@@ -529,7 +529,7 @@
   <p:timing>
     <p:tnLst>
       <p:par>
-        <p:cTn id="1" dur="indefinite" restart="never" nodeType="tmRoot"/>
+        <p:cTn xmlns:p14="http://schemas.microsoft.com/office/powerpoint/2010/main" id="1" dur="indefinite" restart="never" nodeType="tmRoot"/>
       </p:par>
     </p:tnLst>
   </p:timing>
@@ -556,7 +556,7 @@
     </p:spTree>
     <p:extLst>
       <p:ext uri="{BB962C8B-B14F-4D97-AF65-F5344CB8AC3E}">
-        <p14:creationId xmlns:p14="http://schemas.microsoft.com/office/powerpoint/2010/main" xmlns="" val="1289426299"/>
+        <p14:creationId xmlns:p14="http://schemas.microsoft.com/office/powerpoint/2010/main" val="1289426299"/>
       </p:ext>
     </p:extLst>
   </p:cSld>
@@ -566,7 +566,7 @@
   <p:timing>
     <p:tnLst>
       <p:par>
-        <p:cTn id="1" dur="indefinite" restart="never" nodeType="tmRoot"/>
+        <p:cTn xmlns:p14="http://schemas.microsoft.com/office/powerpoint/2010/main" id="1" dur="indefinite" restart="never" nodeType="tmRoot"/>
       </p:par>
     </p:tnLst>
   </p:timing>
@@ -593,7 +593,7 @@
     </p:spTree>
     <p:extLst>
       <p:ext uri="{BB962C8B-B14F-4D97-AF65-F5344CB8AC3E}">
-        <p14:creationId xmlns:p14="http://schemas.microsoft.com/office/powerpoint/2010/main" xmlns="" val="382388284"/>
+        <p14:creationId xmlns:p14="http://schemas.microsoft.com/office/powerpoint/2010/main" val="382388284"/>
       </p:ext>
     </p:extLst>
   </p:cSld>
@@ -603,7 +603,7 @@
   <p:timing>
     <p:tnLst>
       <p:par>
-        <p:cTn id="1" dur="indefinite" restart="never" nodeType="tmRoot"/>
+        <p:cTn xmlns:p14="http://schemas.microsoft.com/office/powerpoint/2010/main" id="1" dur="indefinite" restart="never" nodeType="tmRoot"/>
       </p:par>
     </p:tnLst>
   </p:timing>
@@ -674,7 +674,7 @@
           <a:blip r:embed="rId13" cstate="print">
             <a:extLst>
               <a:ext uri="{28A0092B-C50C-407E-A947-70E740481C1C}">
-                <a14:useLocalDpi xmlns:a14="http://schemas.microsoft.com/office/drawing/2010/main" xmlns="" val="0"/>
+                <a14:useLocalDpi xmlns:a14="http://schemas.microsoft.com/office/drawing/2010/main" val="0"/>
               </a:ext>
             </a:extLst>
           </a:blip>
@@ -695,7 +695,7 @@
     </p:spTree>
     <p:extLst>
       <p:ext uri="{BB962C8B-B14F-4D97-AF65-F5344CB8AC3E}">
-        <p14:creationId xmlns:p14="http://schemas.microsoft.com/office/powerpoint/2010/main" xmlns="" val="1541031311"/>
+        <p14:creationId xmlns:p14="http://schemas.microsoft.com/office/powerpoint/2010/main" val="1541031311"/>
       </p:ext>
     </p:extLst>
   </p:cSld>
@@ -716,7 +716,7 @@
   <p:timing>
     <p:tnLst>
       <p:par>
-        <p:cTn id="1" dur="indefinite" restart="never" nodeType="tmRoot"/>
+        <p:cTn xmlns:p14="http://schemas.microsoft.com/office/powerpoint/2010/main" id="1" dur="indefinite" restart="never" nodeType="tmRoot"/>
       </p:par>
     </p:tnLst>
   </p:timing>
@@ -1121,19 +1121,7 @@
             <a:pPr algn="ctr"/>
             <a:r>
               <a:rPr lang="es-ES" sz="1600" dirty="0" smtClean="0"/>
-              <a:t>Sistema </a:t>
-            </a:r>
-            <a:r>
-              <a:rPr lang="es-ES" sz="1600" dirty="0" smtClean="0"/>
-              <a:t>Internacional </a:t>
-            </a:r>
-            <a:r>
-              <a:rPr lang="es-ES" sz="1600" dirty="0" smtClean="0"/>
-              <a:t>de </a:t>
-            </a:r>
-            <a:r>
-              <a:rPr lang="es-ES" sz="1600" dirty="0" smtClean="0"/>
-              <a:t>Unidades</a:t>
+              <a:t>Sistema Internacional de Unidades</a:t>
             </a:r>
             <a:endParaRPr lang="es-ES" sz="1600" dirty="0"/>
           </a:p>
@@ -1182,7 +1170,7 @@
         </p:nvSpPr>
         <p:spPr>
           <a:xfrm>
-            <a:off x="370940" y="2466523"/>
+            <a:off x="383640" y="2466523"/>
             <a:ext cx="1210057" cy="605245"/>
           </a:xfrm>
           <a:prstGeom prst="rect">
@@ -1302,7 +1290,7 @@
         </p:nvSpPr>
         <p:spPr>
           <a:xfrm>
-            <a:off x="3132429" y="2466609"/>
+            <a:off x="3792829" y="2466609"/>
             <a:ext cx="1069287" cy="605245"/>
           </a:xfrm>
           <a:prstGeom prst="rect">
@@ -1362,7 +1350,7 @@
         </p:nvSpPr>
         <p:spPr>
           <a:xfrm>
-            <a:off x="5563467" y="2466523"/>
+            <a:off x="6579467" y="2466523"/>
             <a:ext cx="1051136" cy="605245"/>
           </a:xfrm>
           <a:prstGeom prst="rect">
@@ -1422,7 +1410,7 @@
         </p:nvSpPr>
         <p:spPr>
           <a:xfrm>
-            <a:off x="6742555" y="2467234"/>
+            <a:off x="7733155" y="2467234"/>
             <a:ext cx="1105774" cy="605245"/>
           </a:xfrm>
           <a:prstGeom prst="rect">
@@ -1482,7 +1470,7 @@
         </p:nvSpPr>
         <p:spPr>
           <a:xfrm>
-            <a:off x="265952" y="3196685"/>
+            <a:off x="278652" y="3196685"/>
             <a:ext cx="1394243" cy="276999"/>
           </a:xfrm>
           <a:prstGeom prst="rect">
@@ -1517,7 +1505,7 @@
         </p:nvCxnSpPr>
         <p:spPr>
           <a:xfrm rot="5400000">
-            <a:off x="886344" y="3171470"/>
+            <a:off x="899044" y="3171470"/>
             <a:ext cx="153462" cy="1"/>
           </a:xfrm>
           <a:prstGeom prst="bentConnector3">
@@ -1552,7 +1540,7 @@
         </p:nvSpPr>
         <p:spPr>
           <a:xfrm>
-            <a:off x="358041" y="3601521"/>
+            <a:off x="370741" y="3601521"/>
             <a:ext cx="1210057" cy="605245"/>
           </a:xfrm>
           <a:prstGeom prst="rect">
@@ -1620,7 +1608,7 @@
         </p:nvSpPr>
         <p:spPr>
           <a:xfrm>
-            <a:off x="154546" y="4816314"/>
+            <a:off x="52946" y="4816314"/>
             <a:ext cx="1641844" cy="605245"/>
           </a:xfrm>
           <a:prstGeom prst="rect">
@@ -1660,34 +1648,18 @@
                   <a:schemeClr val="tx1"/>
                 </a:solidFill>
               </a:rPr>
-              <a:t>kilómetro </a:t>
-            </a:r>
+              <a:t>kilómetro (km)</a:t>
+            </a:r>
+          </a:p>
+          <a:p>
+            <a:pPr algn="ctr"/>
             <a:r>
               <a:rPr lang="es-ES" sz="1400" dirty="0" smtClean="0">
                 <a:solidFill>
                   <a:schemeClr val="tx1"/>
                 </a:solidFill>
               </a:rPr>
-              <a:t>(km)</a:t>
-            </a:r>
-          </a:p>
-          <a:p>
-            <a:pPr algn="ctr"/>
-            <a:r>
-              <a:rPr lang="es-ES" sz="1400" dirty="0" smtClean="0">
-                <a:solidFill>
-                  <a:schemeClr val="tx1"/>
-                </a:solidFill>
-              </a:rPr>
-              <a:t>hectómetro </a:t>
-            </a:r>
-            <a:r>
-              <a:rPr lang="es-ES" sz="1400" dirty="0" smtClean="0">
-                <a:solidFill>
-                  <a:schemeClr val="tx1"/>
-                </a:solidFill>
-              </a:rPr>
-              <a:t>(hm)</a:t>
+              <a:t>hectómetro (hm)</a:t>
             </a:r>
           </a:p>
           <a:p>
@@ -1735,7 +1707,7 @@
         </p:nvSpPr>
         <p:spPr>
           <a:xfrm>
-            <a:off x="154547" y="6005480"/>
+            <a:off x="78347" y="6005480"/>
             <a:ext cx="1641844" cy="605245"/>
           </a:xfrm>
           <a:prstGeom prst="rect">
@@ -1775,15 +1747,18 @@
                   <a:schemeClr val="tx1"/>
                 </a:solidFill>
               </a:rPr>
-              <a:t>decímetro </a:t>
-            </a:r>
+              <a:t>decímetro (dm)</a:t>
+            </a:r>
+          </a:p>
+          <a:p>
+            <a:pPr algn="ctr"/>
             <a:r>
               <a:rPr lang="es-ES" sz="1400" dirty="0" smtClean="0">
                 <a:solidFill>
                   <a:schemeClr val="tx1"/>
                 </a:solidFill>
               </a:rPr>
-              <a:t>(dm)</a:t>
+              <a:t>centímetro (cm)</a:t>
             </a:r>
           </a:p>
           <a:p>
@@ -1794,34 +1769,7 @@
                   <a:schemeClr val="tx1"/>
                 </a:solidFill>
               </a:rPr>
-              <a:t>centímetro </a:t>
-            </a:r>
-            <a:r>
-              <a:rPr lang="es-ES" sz="1400" dirty="0" smtClean="0">
-                <a:solidFill>
-                  <a:schemeClr val="tx1"/>
-                </a:solidFill>
-              </a:rPr>
-              <a:t>(cm)</a:t>
-            </a:r>
-          </a:p>
-          <a:p>
-            <a:pPr algn="ctr"/>
-            <a:r>
-              <a:rPr lang="es-ES" sz="1400" dirty="0" smtClean="0">
-                <a:solidFill>
-                  <a:schemeClr val="tx1"/>
-                </a:solidFill>
-              </a:rPr>
-              <a:t>milímetro </a:t>
-            </a:r>
-            <a:r>
-              <a:rPr lang="es-ES" sz="1400" dirty="0" smtClean="0">
-                <a:solidFill>
-                  <a:schemeClr val="tx1"/>
-                </a:solidFill>
-              </a:rPr>
-              <a:t>(mm)</a:t>
+              <a:t>milímetro (mm)</a:t>
             </a:r>
             <a:endParaRPr lang="es-ES" sz="1400" dirty="0">
               <a:solidFill>
@@ -1839,7 +1787,7 @@
         </p:nvSpPr>
         <p:spPr>
           <a:xfrm>
-            <a:off x="265952" y="4385853"/>
+            <a:off x="278652" y="4385853"/>
             <a:ext cx="1394243" cy="276999"/>
           </a:xfrm>
           <a:prstGeom prst="rect">
@@ -1873,7 +1821,7 @@
         </p:nvCxnSpPr>
         <p:spPr>
           <a:xfrm rot="5400000">
-            <a:off x="899154" y="3537600"/>
+            <a:off x="911854" y="3537600"/>
             <a:ext cx="127837" cy="4"/>
           </a:xfrm>
           <a:prstGeom prst="bentConnector3">
@@ -1913,7 +1861,7 @@
         </p:nvCxnSpPr>
         <p:spPr>
           <a:xfrm rot="16200000" flipH="1">
-            <a:off x="873529" y="4296307"/>
+            <a:off x="886229" y="4296307"/>
             <a:ext cx="179087" cy="4"/>
           </a:xfrm>
           <a:prstGeom prst="bentConnector3">
@@ -1950,7 +1898,7 @@
         </p:nvSpPr>
         <p:spPr>
           <a:xfrm>
-            <a:off x="265950" y="5575021"/>
+            <a:off x="278650" y="5575021"/>
             <a:ext cx="1394243" cy="276999"/>
           </a:xfrm>
           <a:prstGeom prst="rect">
@@ -2050,15 +1998,17 @@
       <p:cxnSp>
         <p:nvCxnSpPr>
           <p:cNvPr id="78" name="Conector angular 77"/>
-          <p:cNvCxnSpPr/>
+          <p:cNvCxnSpPr>
+            <a:endCxn id="60" idx="0"/>
+          </p:cNvCxnSpPr>
           <p:nvPr/>
         </p:nvCxnSpPr>
         <p:spPr>
-          <a:xfrm rot="16200000" flipH="1">
-            <a:off x="5899157" y="1241072"/>
-            <a:ext cx="72000" cy="2340000"/>
-          </a:xfrm>
-          <a:prstGeom prst="bentConnector3">
+          <a:xfrm>
+            <a:off x="4765157" y="2375072"/>
+            <a:ext cx="3520885" cy="92162"/>
+          </a:xfrm>
+          <a:prstGeom prst="bentConnector2">
             <a:avLst/>
           </a:prstGeom>
           <a:ln w="12700">
@@ -2089,9 +2039,9 @@
           <p:nvPr/>
         </p:nvCxnSpPr>
         <p:spPr>
-          <a:xfrm rot="27000000" flipH="1">
-            <a:off x="4837494" y="2297208"/>
-            <a:ext cx="72000" cy="216000"/>
+          <a:xfrm rot="10800000">
+            <a:off x="4765494" y="2369208"/>
+            <a:ext cx="1254306" cy="5692"/>
           </a:xfrm>
           <a:prstGeom prst="bentConnector3">
             <a:avLst/>
@@ -2212,11 +2162,7 @@
             <a:pPr algn="ctr"/>
             <a:r>
               <a:rPr lang="es-ES" sz="1200" dirty="0" smtClean="0"/>
-              <a:t>se </a:t>
-            </a:r>
-            <a:r>
-              <a:rPr lang="es-ES" sz="1200" dirty="0" smtClean="0"/>
-              <a:t>rigen por</a:t>
+              <a:t>se rigen por</a:t>
             </a:r>
             <a:endParaRPr lang="es-ES" sz="1200" dirty="0"/>
           </a:p>
@@ -2265,7 +2211,7 @@
         </p:nvCxnSpPr>
         <p:spPr>
           <a:xfrm rot="5400000">
-            <a:off x="3598334" y="3166150"/>
+            <a:off x="4296834" y="3166150"/>
             <a:ext cx="153462" cy="1"/>
           </a:xfrm>
           <a:prstGeom prst="bentConnector3">
@@ -2300,7 +2246,7 @@
         </p:nvCxnSpPr>
         <p:spPr>
           <a:xfrm rot="5400000">
-            <a:off x="6011989" y="3128206"/>
+            <a:off x="7091489" y="3128206"/>
             <a:ext cx="153462" cy="1"/>
           </a:xfrm>
           <a:prstGeom prst="bentConnector3">
@@ -2337,7 +2283,7 @@
         </p:nvCxnSpPr>
         <p:spPr>
           <a:xfrm rot="5400000">
-            <a:off x="7218710" y="3162887"/>
+            <a:off x="8272810" y="3162887"/>
             <a:ext cx="153462" cy="1"/>
           </a:xfrm>
           <a:prstGeom prst="bentConnector3">
@@ -2407,7 +2353,7 @@
         </p:nvSpPr>
         <p:spPr>
           <a:xfrm>
-            <a:off x="3017440" y="3207343"/>
+            <a:off x="3677840" y="3207343"/>
             <a:ext cx="1394243" cy="276999"/>
           </a:xfrm>
           <a:prstGeom prst="rect">
@@ -2442,7 +2388,7 @@
         </p:nvSpPr>
         <p:spPr>
           <a:xfrm>
-            <a:off x="5424543" y="3188299"/>
+            <a:off x="6440543" y="3188299"/>
             <a:ext cx="1394243" cy="276999"/>
           </a:xfrm>
           <a:prstGeom prst="rect">
@@ -2477,7 +2423,7 @@
         </p:nvSpPr>
         <p:spPr>
           <a:xfrm>
-            <a:off x="6626876" y="3213880"/>
+            <a:off x="7617476" y="3213880"/>
             <a:ext cx="1394243" cy="276999"/>
           </a:xfrm>
           <a:prstGeom prst="rect">
@@ -2512,7 +2458,7 @@
         </p:nvCxnSpPr>
         <p:spPr>
           <a:xfrm rot="16200000" flipH="1">
-            <a:off x="7232401" y="3524790"/>
+            <a:off x="8286501" y="3524790"/>
             <a:ext cx="153462" cy="1"/>
           </a:xfrm>
           <a:prstGeom prst="bentConnector3">
@@ -2549,7 +2495,7 @@
         </p:nvCxnSpPr>
         <p:spPr>
           <a:xfrm rot="16200000" flipH="1">
-            <a:off x="6012984" y="3546457"/>
+            <a:off x="7092484" y="3546457"/>
             <a:ext cx="153462" cy="1"/>
           </a:xfrm>
           <a:prstGeom prst="bentConnector3">
@@ -2586,7 +2532,7 @@
         </p:nvCxnSpPr>
         <p:spPr>
           <a:xfrm rot="16200000" flipH="1">
-            <a:off x="3598333" y="3535588"/>
+            <a:off x="4296833" y="3535588"/>
             <a:ext cx="153462" cy="1"/>
           </a:xfrm>
           <a:prstGeom prst="bentConnector3">
@@ -2660,7 +2606,7 @@
         </p:nvSpPr>
         <p:spPr>
           <a:xfrm>
-            <a:off x="3165779" y="3626717"/>
+            <a:off x="3826179" y="3626717"/>
             <a:ext cx="1061877" cy="605245"/>
           </a:xfrm>
           <a:prstGeom prst="rect">
@@ -2710,23 +2656,7 @@
                   <a:schemeClr val="tx1"/>
                 </a:solidFill>
               </a:rPr>
-              <a:t>etro cúbico (m</a:t>
-            </a:r>
-            <a:r>
-              <a:rPr lang="es-ES" sz="1400" baseline="30000" dirty="0" smtClean="0">
-                <a:solidFill>
-                  <a:schemeClr val="tx1"/>
-                </a:solidFill>
-              </a:rPr>
-              <a:t>3</a:t>
-            </a:r>
-            <a:r>
-              <a:rPr lang="es-ES" sz="1400" dirty="0" smtClean="0">
-                <a:solidFill>
-                  <a:schemeClr val="tx1"/>
-                </a:solidFill>
-              </a:rPr>
-              <a:t>)</a:t>
+              <a:t>etro cúbico </a:t>
             </a:r>
             <a:endParaRPr lang="es-ES" sz="1400" dirty="0">
               <a:solidFill>
@@ -2794,15 +2724,7 @@
                   <a:schemeClr val="tx1"/>
                 </a:solidFill>
               </a:rPr>
-              <a:t>etro cuadrado (m</a:t>
-            </a:r>
-            <a:r>
-              <a:rPr lang="es-ES" sz="1400" baseline="30000" dirty="0" smtClean="0">
-                <a:solidFill>
-                  <a:schemeClr val="tx1"/>
-                </a:solidFill>
-              </a:rPr>
-              <a:t>2</a:t>
+              <a:t>etro </a:t>
             </a:r>
             <a:r>
               <a:rPr lang="es-ES" sz="1400" dirty="0" smtClean="0">
@@ -2810,7 +2732,7 @@
                   <a:schemeClr val="tx1"/>
                 </a:solidFill>
               </a:rPr>
-              <a:t>)</a:t>
+              <a:t>cuadrado</a:t>
             </a:r>
             <a:endParaRPr lang="es-ES" sz="1400" dirty="0">
               <a:solidFill>
@@ -2828,7 +2750,7 @@
         </p:nvSpPr>
         <p:spPr>
           <a:xfrm>
-            <a:off x="5525283" y="3622415"/>
+            <a:off x="6541283" y="3622415"/>
             <a:ext cx="1101593" cy="605245"/>
           </a:xfrm>
           <a:prstGeom prst="rect">
@@ -2896,7 +2818,7 @@
         </p:nvSpPr>
         <p:spPr>
           <a:xfrm>
-            <a:off x="6828314" y="3622415"/>
+            <a:off x="7818914" y="3622415"/>
             <a:ext cx="1039994" cy="605245"/>
           </a:xfrm>
           <a:prstGeom prst="rect">
@@ -3003,41 +2925,6 @@
       </p:cxnSp>
       <p:cxnSp>
         <p:nvCxnSpPr>
-          <p:cNvPr id="47" name="Conector angular 46"/>
-          <p:cNvCxnSpPr/>
-          <p:nvPr/>
-        </p:nvCxnSpPr>
-        <p:spPr>
-          <a:xfrm rot="5400000">
-            <a:off x="1337104" y="3171470"/>
-            <a:ext cx="153462" cy="1"/>
-          </a:xfrm>
-          <a:prstGeom prst="bentConnector3">
-            <a:avLst/>
-          </a:prstGeom>
-          <a:ln w="12700">
-            <a:solidFill>
-              <a:schemeClr val="tx1"/>
-            </a:solidFill>
-          </a:ln>
-        </p:spPr>
-        <p:style>
-          <a:lnRef idx="1">
-            <a:schemeClr val="accent1"/>
-          </a:lnRef>
-          <a:fillRef idx="0">
-            <a:schemeClr val="accent1"/>
-          </a:fillRef>
-          <a:effectRef idx="0">
-            <a:schemeClr val="accent1"/>
-          </a:effectRef>
-          <a:fontRef idx="minor">
-            <a:schemeClr val="tx1"/>
-          </a:fontRef>
-        </p:style>
-      </p:cxnSp>
-      <p:cxnSp>
-        <p:nvCxnSpPr>
           <p:cNvPr id="66" name="Conector angular 65"/>
           <p:cNvCxnSpPr/>
           <p:nvPr/>
@@ -3252,110 +3139,6 @@
           </a:fontRef>
         </p:style>
       </p:cxnSp>
-      <p:sp>
-        <p:nvSpPr>
-          <p:cNvPr id="86" name="Rectángulo 85"/>
-          <p:cNvSpPr/>
-          <p:nvPr/>
-        </p:nvSpPr>
-        <p:spPr>
-          <a:xfrm>
-            <a:off x="1884720" y="4814275"/>
-            <a:ext cx="1050904" cy="605245"/>
-          </a:xfrm>
-          <a:prstGeom prst="rect">
-            <a:avLst/>
-          </a:prstGeom>
-          <a:solidFill>
-            <a:schemeClr val="bg1"/>
-          </a:solidFill>
-          <a:ln>
-            <a:solidFill>
-              <a:schemeClr val="tx1"/>
-            </a:solidFill>
-          </a:ln>
-        </p:spPr>
-        <p:style>
-          <a:lnRef idx="2">
-            <a:schemeClr val="accent6"/>
-          </a:lnRef>
-          <a:fillRef idx="1">
-            <a:schemeClr val="lt1"/>
-          </a:fillRef>
-          <a:effectRef idx="0">
-            <a:schemeClr val="accent6"/>
-          </a:effectRef>
-          <a:fontRef idx="minor">
-            <a:schemeClr val="dk1"/>
-          </a:fontRef>
-        </p:style>
-        <p:txBody>
-          <a:bodyPr rtlCol="0" anchor="ctr"/>
-          <a:lstStyle/>
-          <a:p>
-            <a:pPr algn="ctr"/>
-            <a:r>
-              <a:rPr lang="es-ES" sz="1400" dirty="0" smtClean="0">
-                <a:solidFill>
-                  <a:schemeClr val="tx1"/>
-                </a:solidFill>
-              </a:rPr>
-              <a:t>km</a:t>
-            </a:r>
-            <a:r>
-              <a:rPr lang="es-ES" sz="1400" baseline="30000" dirty="0" smtClean="0">
-                <a:solidFill>
-                  <a:schemeClr val="tx1"/>
-                </a:solidFill>
-              </a:rPr>
-              <a:t>2</a:t>
-            </a:r>
-          </a:p>
-          <a:p>
-            <a:pPr algn="ctr"/>
-            <a:r>
-              <a:rPr lang="es-ES" sz="1400" dirty="0" smtClean="0">
-                <a:solidFill>
-                  <a:schemeClr val="tx1"/>
-                </a:solidFill>
-              </a:rPr>
-              <a:t>hm</a:t>
-            </a:r>
-            <a:r>
-              <a:rPr lang="es-ES" sz="1400" baseline="30000" dirty="0" smtClean="0">
-                <a:solidFill>
-                  <a:schemeClr val="tx1"/>
-                </a:solidFill>
-              </a:rPr>
-              <a:t>2</a:t>
-            </a:r>
-          </a:p>
-          <a:p>
-            <a:pPr algn="ctr"/>
-            <a:r>
-              <a:rPr lang="es-ES" sz="1400" dirty="0" smtClean="0">
-                <a:solidFill>
-                  <a:schemeClr val="tx1"/>
-                </a:solidFill>
-              </a:rPr>
-              <a:t>dam</a:t>
-            </a:r>
-            <a:r>
-              <a:rPr lang="es-ES" sz="1400" baseline="30000" dirty="0" smtClean="0">
-                <a:solidFill>
-                  <a:schemeClr val="tx1"/>
-                </a:solidFill>
-              </a:rPr>
-              <a:t>2</a:t>
-            </a:r>
-            <a:endParaRPr lang="es-ES" sz="1400" baseline="30000" dirty="0">
-              <a:solidFill>
-                <a:schemeClr val="tx1"/>
-              </a:solidFill>
-            </a:endParaRPr>
-          </a:p>
-        </p:txBody>
-      </p:sp>
       <p:cxnSp>
         <p:nvCxnSpPr>
           <p:cNvPr id="87" name="Conector angular 86"/>
@@ -3461,110 +3244,6 @@
           </a:fontRef>
         </p:style>
       </p:cxnSp>
-      <p:sp>
-        <p:nvSpPr>
-          <p:cNvPr id="90" name="Rectángulo 89"/>
-          <p:cNvSpPr/>
-          <p:nvPr/>
-        </p:nvSpPr>
-        <p:spPr>
-          <a:xfrm>
-            <a:off x="1884719" y="6005336"/>
-            <a:ext cx="1050904" cy="605245"/>
-          </a:xfrm>
-          <a:prstGeom prst="rect">
-            <a:avLst/>
-          </a:prstGeom>
-          <a:solidFill>
-            <a:schemeClr val="bg1"/>
-          </a:solidFill>
-          <a:ln>
-            <a:solidFill>
-              <a:schemeClr val="tx1"/>
-            </a:solidFill>
-          </a:ln>
-        </p:spPr>
-        <p:style>
-          <a:lnRef idx="2">
-            <a:schemeClr val="accent6"/>
-          </a:lnRef>
-          <a:fillRef idx="1">
-            <a:schemeClr val="lt1"/>
-          </a:fillRef>
-          <a:effectRef idx="0">
-            <a:schemeClr val="accent6"/>
-          </a:effectRef>
-          <a:fontRef idx="minor">
-            <a:schemeClr val="dk1"/>
-          </a:fontRef>
-        </p:style>
-        <p:txBody>
-          <a:bodyPr rtlCol="0" anchor="ctr"/>
-          <a:lstStyle/>
-          <a:p>
-            <a:pPr algn="ctr"/>
-            <a:r>
-              <a:rPr lang="es-ES" sz="1400" dirty="0" smtClean="0">
-                <a:solidFill>
-                  <a:schemeClr val="tx1"/>
-                </a:solidFill>
-              </a:rPr>
-              <a:t>dm</a:t>
-            </a:r>
-            <a:r>
-              <a:rPr lang="es-ES" sz="1400" baseline="30000" dirty="0" smtClean="0">
-                <a:solidFill>
-                  <a:schemeClr val="tx1"/>
-                </a:solidFill>
-              </a:rPr>
-              <a:t>2</a:t>
-            </a:r>
-          </a:p>
-          <a:p>
-            <a:pPr algn="ctr"/>
-            <a:r>
-              <a:rPr lang="es-ES" sz="1400" dirty="0" smtClean="0">
-                <a:solidFill>
-                  <a:schemeClr val="tx1"/>
-                </a:solidFill>
-              </a:rPr>
-              <a:t>cm</a:t>
-            </a:r>
-            <a:r>
-              <a:rPr lang="es-ES" sz="1400" baseline="30000" dirty="0" smtClean="0">
-                <a:solidFill>
-                  <a:schemeClr val="tx1"/>
-                </a:solidFill>
-              </a:rPr>
-              <a:t>2</a:t>
-            </a:r>
-          </a:p>
-          <a:p>
-            <a:pPr algn="ctr"/>
-            <a:r>
-              <a:rPr lang="es-ES" sz="1400" dirty="0" smtClean="0">
-                <a:solidFill>
-                  <a:schemeClr val="tx1"/>
-                </a:solidFill>
-              </a:rPr>
-              <a:t>mm</a:t>
-            </a:r>
-            <a:r>
-              <a:rPr lang="es-ES" sz="1400" baseline="30000" dirty="0" smtClean="0">
-                <a:solidFill>
-                  <a:schemeClr val="tx1"/>
-                </a:solidFill>
-              </a:rPr>
-              <a:t>2</a:t>
-            </a:r>
-            <a:endParaRPr lang="es-ES" sz="1400" baseline="30000" dirty="0">
-              <a:solidFill>
-                <a:schemeClr val="tx1"/>
-              </a:solidFill>
-            </a:endParaRPr>
-          </a:p>
-        </p:txBody>
-      </p:sp>
       <p:cxnSp>
         <p:nvCxnSpPr>
           <p:cNvPr id="91" name="Conector angular 90"/>
@@ -3573,7 +3252,7 @@
         </p:nvCxnSpPr>
         <p:spPr>
           <a:xfrm rot="16200000" flipH="1">
-            <a:off x="3585522" y="4328123"/>
+            <a:off x="4284022" y="4328123"/>
             <a:ext cx="179087" cy="4"/>
           </a:xfrm>
           <a:prstGeom prst="bentConnector3">
@@ -3610,7 +3289,7 @@
         </p:nvSpPr>
         <p:spPr>
           <a:xfrm>
-            <a:off x="2999595" y="4387561"/>
+            <a:off x="3659995" y="4387561"/>
             <a:ext cx="1394243" cy="276999"/>
           </a:xfrm>
           <a:prstGeom prst="rect">
@@ -3641,7 +3320,7 @@
         </p:nvCxnSpPr>
         <p:spPr>
           <a:xfrm rot="16200000" flipH="1">
-            <a:off x="3581693" y="4749095"/>
+            <a:off x="4280193" y="4749095"/>
             <a:ext cx="179087" cy="4"/>
           </a:xfrm>
           <a:prstGeom prst="bentConnector3">
@@ -3678,8 +3357,8 @@
         </p:nvSpPr>
         <p:spPr>
           <a:xfrm>
-            <a:off x="3187054" y="4813540"/>
-            <a:ext cx="1051965" cy="605245"/>
+            <a:off x="3632200" y="4813540"/>
+            <a:ext cx="1574800" cy="605245"/>
           </a:xfrm>
           <a:prstGeom prst="rect">
             <a:avLst/>
@@ -3713,58 +3392,84 @@
           <a:p>
             <a:pPr algn="ctr"/>
             <a:r>
+              <a:rPr lang="es-ES" sz="1400" dirty="0">
+                <a:solidFill>
+                  <a:schemeClr val="tx1"/>
+                </a:solidFill>
+              </a:rPr>
+              <a:t>k</a:t>
+            </a:r>
+            <a:r>
               <a:rPr lang="es-ES" sz="1400" dirty="0" smtClean="0">
                 <a:solidFill>
                   <a:schemeClr val="tx1"/>
                 </a:solidFill>
               </a:rPr>
-              <a:t>km</a:t>
-            </a:r>
-            <a:r>
-              <a:rPr lang="es-ES" sz="1400" baseline="30000" dirty="0" smtClean="0">
-                <a:solidFill>
-                  <a:schemeClr val="tx1"/>
-                </a:solidFill>
-              </a:rPr>
-              <a:t>3</a:t>
-            </a:r>
-          </a:p>
-          <a:p>
-            <a:pPr algn="ctr"/>
+              <a:t>il</a:t>
+            </a:r>
             <a:r>
               <a:rPr lang="es-ES" sz="1400" dirty="0" smtClean="0">
                 <a:solidFill>
                   <a:schemeClr val="tx1"/>
                 </a:solidFill>
               </a:rPr>
-              <a:t>hm</a:t>
-            </a:r>
-            <a:r>
-              <a:rPr lang="es-ES" sz="1400" baseline="30000" dirty="0" smtClean="0">
-                <a:solidFill>
-                  <a:schemeClr val="tx1"/>
-                </a:solidFill>
-              </a:rPr>
-              <a:t>3</a:t>
-            </a:r>
-          </a:p>
-          <a:p>
-            <a:pPr algn="ctr"/>
+              <a:t>ómetro cúbico</a:t>
+            </a:r>
+            <a:endParaRPr lang="es-ES" sz="1400" baseline="30000" dirty="0" smtClean="0">
+              <a:solidFill>
+                <a:schemeClr val="tx1"/>
+              </a:solidFill>
+            </a:endParaRPr>
+          </a:p>
+          <a:p>
+            <a:pPr algn="ctr"/>
+            <a:r>
+              <a:rPr lang="es-ES" sz="1400" dirty="0">
+                <a:solidFill>
+                  <a:schemeClr val="tx1"/>
+                </a:solidFill>
+              </a:rPr>
+              <a:t>h</a:t>
+            </a:r>
             <a:r>
               <a:rPr lang="es-ES" sz="1400" dirty="0" smtClean="0">
                 <a:solidFill>
                   <a:schemeClr val="tx1"/>
                 </a:solidFill>
               </a:rPr>
-              <a:t>dam</a:t>
-            </a:r>
-            <a:r>
-              <a:rPr lang="es-ES" sz="1400" baseline="30000" dirty="0" smtClean="0">
-                <a:solidFill>
-                  <a:schemeClr val="tx1"/>
-                </a:solidFill>
-              </a:rPr>
-              <a:t>3</a:t>
+              <a:t>ect</a:t>
+            </a:r>
+            <a:r>
+              <a:rPr lang="es-ES" sz="1400" dirty="0" smtClean="0">
+                <a:solidFill>
+                  <a:schemeClr val="tx1"/>
+                </a:solidFill>
+              </a:rPr>
+              <a:t>ómetro cúbico</a:t>
+            </a:r>
+            <a:endParaRPr lang="es-ES" sz="1400" baseline="30000" dirty="0" smtClean="0">
+              <a:solidFill>
+                <a:schemeClr val="tx1"/>
+              </a:solidFill>
+            </a:endParaRPr>
+          </a:p>
+          <a:p>
+            <a:pPr algn="ctr"/>
+            <a:r>
+              <a:rPr lang="es-ES" sz="1400" dirty="0" smtClean="0">
+                <a:solidFill>
+                  <a:schemeClr val="tx1"/>
+                </a:solidFill>
+              </a:rPr>
+              <a:t>dec</a:t>
+            </a:r>
+            <a:r>
+              <a:rPr lang="es-ES" sz="1400" dirty="0" smtClean="0">
+                <a:solidFill>
+                  <a:schemeClr val="tx1"/>
+                </a:solidFill>
+              </a:rPr>
+              <a:t>ámetro cúbico</a:t>
             </a:r>
             <a:endParaRPr lang="es-ES" sz="1400" baseline="30000" dirty="0">
               <a:solidFill>
@@ -3782,7 +3487,7 @@
         </p:nvCxnSpPr>
         <p:spPr>
           <a:xfrm rot="16200000" flipH="1">
-            <a:off x="3585522" y="5523338"/>
+            <a:off x="4284022" y="5523338"/>
             <a:ext cx="179087" cy="4"/>
           </a:xfrm>
           <a:prstGeom prst="bentConnector3">
@@ -3819,7 +3524,7 @@
         </p:nvSpPr>
         <p:spPr>
           <a:xfrm>
-            <a:off x="2970829" y="5564650"/>
+            <a:off x="3631229" y="5564650"/>
             <a:ext cx="1419061" cy="276999"/>
           </a:xfrm>
           <a:prstGeom prst="rect">
@@ -3836,11 +3541,7 @@
             <a:pPr algn="ctr"/>
             <a:r>
               <a:rPr lang="es-ES" sz="1200" dirty="0" smtClean="0"/>
-              <a:t>s</a:t>
-            </a:r>
-            <a:r>
-              <a:rPr lang="es-ES" sz="1200" dirty="0" smtClean="0"/>
-              <a:t>ubmúltiplos</a:t>
+              <a:t>submúltiplos</a:t>
             </a:r>
             <a:endParaRPr lang="es-ES" sz="1200" baseline="30000" dirty="0"/>
           </a:p>
@@ -3854,7 +3555,7 @@
         </p:nvCxnSpPr>
         <p:spPr>
           <a:xfrm rot="16200000" flipH="1">
-            <a:off x="3577527" y="5928749"/>
+            <a:off x="4276027" y="5928749"/>
             <a:ext cx="179087" cy="4"/>
           </a:xfrm>
           <a:prstGeom prst="bentConnector3">
@@ -3891,8 +3592,8 @@
         </p:nvSpPr>
         <p:spPr>
           <a:xfrm>
-            <a:off x="3181878" y="5991752"/>
-            <a:ext cx="1029675" cy="605245"/>
+            <a:off x="3683000" y="5991752"/>
+            <a:ext cx="1600200" cy="605245"/>
           </a:xfrm>
           <a:prstGeom prst="rect">
             <a:avLst/>
@@ -3926,58 +3627,92 @@
           <a:p>
             <a:pPr algn="ctr"/>
             <a:r>
+              <a:rPr lang="es-ES" sz="1400" dirty="0">
+                <a:solidFill>
+                  <a:schemeClr val="tx1"/>
+                </a:solidFill>
+              </a:rPr>
+              <a:t>d</a:t>
+            </a:r>
+            <a:r>
               <a:rPr lang="es-ES" sz="1400" dirty="0" smtClean="0">
                 <a:solidFill>
                   <a:schemeClr val="tx1"/>
                 </a:solidFill>
               </a:rPr>
-              <a:t>dm</a:t>
-            </a:r>
-            <a:r>
-              <a:rPr lang="es-ES" sz="1400" baseline="30000" dirty="0" smtClean="0">
-                <a:solidFill>
-                  <a:schemeClr val="tx1"/>
-                </a:solidFill>
-              </a:rPr>
-              <a:t>3</a:t>
-            </a:r>
-          </a:p>
-          <a:p>
-            <a:pPr algn="ctr"/>
+              <a:t>ec</a:t>
+            </a:r>
             <a:r>
               <a:rPr lang="es-ES" sz="1400" dirty="0" smtClean="0">
                 <a:solidFill>
                   <a:schemeClr val="tx1"/>
                 </a:solidFill>
               </a:rPr>
-              <a:t>cm</a:t>
-            </a:r>
-            <a:r>
-              <a:rPr lang="es-ES" sz="1400" baseline="30000" dirty="0" smtClean="0">
-                <a:solidFill>
-                  <a:schemeClr val="tx1"/>
-                </a:solidFill>
-              </a:rPr>
-              <a:t>3</a:t>
-            </a:r>
-          </a:p>
-          <a:p>
-            <a:pPr algn="ctr"/>
+              <a:t>ímetro cúbico</a:t>
+            </a:r>
+            <a:endParaRPr lang="es-ES" sz="1400" baseline="30000" dirty="0" smtClean="0">
+              <a:solidFill>
+                <a:schemeClr val="tx1"/>
+              </a:solidFill>
+            </a:endParaRPr>
+          </a:p>
+          <a:p>
+            <a:pPr algn="ctr"/>
+            <a:r>
+              <a:rPr lang="es-ES" sz="1400" dirty="0">
+                <a:solidFill>
+                  <a:schemeClr val="tx1"/>
+                </a:solidFill>
+              </a:rPr>
+              <a:t>c</a:t>
+            </a:r>
             <a:r>
               <a:rPr lang="es-ES" sz="1400" dirty="0" smtClean="0">
                 <a:solidFill>
                   <a:schemeClr val="tx1"/>
                 </a:solidFill>
               </a:rPr>
-              <a:t>mm</a:t>
-            </a:r>
-            <a:r>
-              <a:rPr lang="es-ES" sz="1400" baseline="30000" dirty="0" smtClean="0">
-                <a:solidFill>
-                  <a:schemeClr val="tx1"/>
-                </a:solidFill>
-              </a:rPr>
-              <a:t>3</a:t>
+              <a:t>ent</a:t>
+            </a:r>
+            <a:r>
+              <a:rPr lang="es-ES" sz="1400" dirty="0" smtClean="0">
+                <a:solidFill>
+                  <a:schemeClr val="tx1"/>
+                </a:solidFill>
+              </a:rPr>
+              <a:t>ímetro cúbico</a:t>
+            </a:r>
+            <a:endParaRPr lang="es-ES" sz="1400" baseline="30000" dirty="0" smtClean="0">
+              <a:solidFill>
+                <a:schemeClr val="tx1"/>
+              </a:solidFill>
+            </a:endParaRPr>
+          </a:p>
+          <a:p>
+            <a:pPr algn="ctr"/>
+            <a:r>
+              <a:rPr lang="es-ES" sz="1400" dirty="0">
+                <a:solidFill>
+                  <a:schemeClr val="tx1"/>
+                </a:solidFill>
+              </a:rPr>
+              <a:t>m</a:t>
+            </a:r>
+            <a:r>
+              <a:rPr lang="es-ES" sz="1400" dirty="0" smtClean="0">
+                <a:solidFill>
+                  <a:schemeClr val="tx1"/>
+                </a:solidFill>
+              </a:rPr>
+              <a:t>il</a:t>
+            </a:r>
+            <a:r>
+              <a:rPr lang="es-ES" sz="1400" dirty="0" smtClean="0">
+                <a:solidFill>
+                  <a:schemeClr val="tx1"/>
+                </a:solidFill>
+              </a:rPr>
+              <a:t>ímetro cúbico</a:t>
             </a:r>
             <a:endParaRPr lang="es-ES" sz="1400" baseline="30000" dirty="0">
               <a:solidFill>
@@ -3995,7 +3730,7 @@
         </p:nvSpPr>
         <p:spPr>
           <a:xfrm>
-            <a:off x="4402700" y="2476615"/>
+            <a:off x="5431400" y="2476615"/>
             <a:ext cx="1051136" cy="605245"/>
           </a:xfrm>
           <a:prstGeom prst="rect">
@@ -4055,7 +3790,7 @@
         </p:nvCxnSpPr>
         <p:spPr>
           <a:xfrm rot="5400000">
-            <a:off x="4820727" y="3162887"/>
+            <a:off x="5912927" y="3162887"/>
             <a:ext cx="153462" cy="1"/>
           </a:xfrm>
           <a:prstGeom prst="bentConnector3">
@@ -4090,7 +3825,7 @@
         </p:nvSpPr>
         <p:spPr>
           <a:xfrm>
-            <a:off x="4200147" y="3228970"/>
+            <a:off x="5228847" y="3228970"/>
             <a:ext cx="1394243" cy="276999"/>
           </a:xfrm>
           <a:prstGeom prst="rect">
@@ -4125,7 +3860,7 @@
         </p:nvSpPr>
         <p:spPr>
           <a:xfrm>
-            <a:off x="4348917" y="3624468"/>
+            <a:off x="5377617" y="3624468"/>
             <a:ext cx="1061877" cy="605245"/>
           </a:xfrm>
           <a:prstGeom prst="rect">
@@ -4193,7 +3928,7 @@
         </p:nvCxnSpPr>
         <p:spPr>
           <a:xfrm rot="16200000" flipH="1">
-            <a:off x="4808720" y="3546457"/>
+            <a:off x="5900920" y="3546457"/>
             <a:ext cx="153462" cy="1"/>
           </a:xfrm>
           <a:prstGeom prst="bentConnector3">
@@ -4230,7 +3965,7 @@
         </p:nvSpPr>
         <p:spPr>
           <a:xfrm>
-            <a:off x="4232620" y="4400763"/>
+            <a:off x="5261320" y="4400763"/>
             <a:ext cx="1394243" cy="276999"/>
           </a:xfrm>
           <a:prstGeom prst="rect">
@@ -4261,7 +3996,7 @@
         </p:nvSpPr>
         <p:spPr>
           <a:xfrm>
-            <a:off x="4326288" y="4812144"/>
+            <a:off x="5354988" y="4812144"/>
             <a:ext cx="1124407" cy="605245"/>
           </a:xfrm>
           <a:prstGeom prst="rect">
@@ -4301,15 +4036,7 @@
                   <a:schemeClr val="tx1"/>
                 </a:solidFill>
               </a:rPr>
-              <a:t>kilolitro </a:t>
-            </a:r>
-            <a:r>
-              <a:rPr lang="es-ES" sz="1200" dirty="0" smtClean="0">
-                <a:solidFill>
-                  <a:schemeClr val="tx1"/>
-                </a:solidFill>
-              </a:rPr>
-              <a:t>(kl)</a:t>
+              <a:t>kilolitro (kl)</a:t>
             </a:r>
             <a:endParaRPr lang="es-ES" sz="1200" baseline="30000" dirty="0" smtClean="0">
               <a:solidFill>
@@ -4325,15 +4052,7 @@
                   <a:schemeClr val="tx1"/>
                 </a:solidFill>
               </a:rPr>
-              <a:t>hectolitro </a:t>
-            </a:r>
-            <a:r>
-              <a:rPr lang="es-ES" sz="1200" dirty="0" smtClean="0">
-                <a:solidFill>
-                  <a:schemeClr val="tx1"/>
-                </a:solidFill>
-              </a:rPr>
-              <a:t>(hl)</a:t>
+              <a:t>hectolitro (hl)</a:t>
             </a:r>
             <a:endParaRPr lang="es-ES" sz="1200" baseline="30000" dirty="0" smtClean="0">
               <a:solidFill>
@@ -4349,15 +4068,7 @@
                   <a:schemeClr val="tx1"/>
                 </a:solidFill>
               </a:rPr>
-              <a:t>decalitro </a:t>
-            </a:r>
-            <a:r>
-              <a:rPr lang="es-ES" sz="1200" dirty="0" smtClean="0">
-                <a:solidFill>
-                  <a:schemeClr val="tx1"/>
-                </a:solidFill>
-              </a:rPr>
-              <a:t>(</a:t>
+              <a:t>decalitro (</a:t>
             </a:r>
             <a:r>
               <a:rPr lang="es-ES" sz="1200" dirty="0" err="1" smtClean="0">
@@ -4391,7 +4102,7 @@
         </p:nvCxnSpPr>
         <p:spPr>
           <a:xfrm rot="16200000" flipH="1">
-            <a:off x="4807723" y="5511437"/>
+            <a:off x="5912623" y="5511437"/>
             <a:ext cx="179087" cy="4"/>
           </a:xfrm>
           <a:prstGeom prst="bentConnector3">
@@ -4428,7 +4139,7 @@
         </p:nvCxnSpPr>
         <p:spPr>
           <a:xfrm rot="16200000" flipH="1">
-            <a:off x="4807719" y="4301318"/>
+            <a:off x="5899919" y="4301318"/>
             <a:ext cx="179087" cy="4"/>
           </a:xfrm>
           <a:prstGeom prst="bentConnector3">
@@ -4465,7 +4176,7 @@
         </p:nvCxnSpPr>
         <p:spPr>
           <a:xfrm rot="16200000" flipH="1">
-            <a:off x="4821112" y="4729276"/>
+            <a:off x="5913312" y="4729276"/>
             <a:ext cx="179087" cy="4"/>
           </a:xfrm>
           <a:prstGeom prst="bentConnector3">
@@ -4502,7 +4213,7 @@
         </p:nvSpPr>
         <p:spPr>
           <a:xfrm>
-            <a:off x="4205057" y="5575021"/>
+            <a:off x="5233757" y="5575021"/>
             <a:ext cx="1419061" cy="276999"/>
           </a:xfrm>
           <a:prstGeom prst="rect">
@@ -4533,7 +4244,7 @@
         </p:nvCxnSpPr>
         <p:spPr>
           <a:xfrm rot="16200000" flipH="1">
-            <a:off x="4798418" y="5901026"/>
+            <a:off x="5890618" y="5901026"/>
             <a:ext cx="179087" cy="4"/>
           </a:xfrm>
           <a:prstGeom prst="bentConnector3">
@@ -4570,7 +4281,7 @@
         </p:nvSpPr>
         <p:spPr>
           <a:xfrm>
-            <a:off x="4402700" y="5987985"/>
+            <a:off x="5431400" y="5987985"/>
             <a:ext cx="1029675" cy="605245"/>
           </a:xfrm>
           <a:prstGeom prst="rect">
@@ -4610,15 +4321,7 @@
                   <a:schemeClr val="tx1"/>
                 </a:solidFill>
               </a:rPr>
-              <a:t>decilitro </a:t>
-            </a:r>
-            <a:r>
-              <a:rPr lang="es-ES" sz="1200" dirty="0" smtClean="0">
-                <a:solidFill>
-                  <a:schemeClr val="tx1"/>
-                </a:solidFill>
-              </a:rPr>
-              <a:t>(dl)</a:t>
+              <a:t>decilitro (dl)</a:t>
             </a:r>
             <a:endParaRPr lang="es-ES" sz="1200" baseline="30000" dirty="0" smtClean="0">
               <a:solidFill>
@@ -4634,31 +4337,7 @@
                   <a:schemeClr val="tx1"/>
                 </a:solidFill>
               </a:rPr>
-              <a:t>centilitro </a:t>
-            </a:r>
-            <a:r>
-              <a:rPr lang="es-ES" sz="1200" dirty="0" smtClean="0">
-                <a:solidFill>
-                  <a:schemeClr val="tx1"/>
-                </a:solidFill>
-              </a:rPr>
-              <a:t>(cl) </a:t>
-            </a:r>
-            <a:r>
-              <a:rPr lang="es-ES" sz="1200" dirty="0" smtClean="0">
-                <a:solidFill>
-                  <a:schemeClr val="tx1"/>
-                </a:solidFill>
-              </a:rPr>
-              <a:t>mililitro </a:t>
-            </a:r>
-            <a:r>
-              <a:rPr lang="es-ES" sz="1200" dirty="0" smtClean="0">
-                <a:solidFill>
-                  <a:schemeClr val="tx1"/>
-                </a:solidFill>
-              </a:rPr>
-              <a:t>(ml)</a:t>
+              <a:t>centilitro (cl) mililitro (ml)</a:t>
             </a:r>
             <a:endParaRPr lang="es-ES" sz="1200" baseline="30000" dirty="0">
               <a:solidFill>
@@ -4676,7 +4355,7 @@
         </p:nvSpPr>
         <p:spPr>
           <a:xfrm>
-            <a:off x="5401283" y="4403429"/>
+            <a:off x="6417283" y="4403429"/>
             <a:ext cx="1419061" cy="276999"/>
           </a:xfrm>
           <a:prstGeom prst="rect">
@@ -4707,7 +4386,7 @@
         </p:nvCxnSpPr>
         <p:spPr>
           <a:xfrm rot="16200000" flipH="1">
-            <a:off x="6006851" y="4287471"/>
+            <a:off x="7086351" y="4287471"/>
             <a:ext cx="179087" cy="4"/>
           </a:xfrm>
           <a:prstGeom prst="bentConnector3">
@@ -4744,7 +4423,7 @@
         </p:nvCxnSpPr>
         <p:spPr>
           <a:xfrm rot="16200000" flipH="1">
-            <a:off x="6006847" y="4696996"/>
+            <a:off x="7073647" y="4696996"/>
             <a:ext cx="179087" cy="4"/>
           </a:xfrm>
           <a:prstGeom prst="bentConnector3">
@@ -4781,7 +4460,7 @@
         </p:nvSpPr>
         <p:spPr>
           <a:xfrm>
-            <a:off x="5511136" y="4803174"/>
+            <a:off x="6527136" y="4803174"/>
             <a:ext cx="1264806" cy="1206072"/>
           </a:xfrm>
           <a:prstGeom prst="rect">
@@ -4838,49 +4517,85 @@
                   <a:schemeClr val="tx1"/>
                 </a:solidFill>
               </a:rPr>
-              <a:t>decagramo </a:t>
-            </a:r>
+              <a:t>decagramo (</a:t>
+            </a:r>
+            <a:r>
+              <a:rPr lang="es-CO" sz="1200" dirty="0" err="1" smtClean="0">
+                <a:solidFill>
+                  <a:schemeClr val="tx1"/>
+                </a:solidFill>
+              </a:rPr>
+              <a:t>dag</a:t>
+            </a:r>
+            <a:r>
+              <a:rPr lang="es-CO" sz="1200" dirty="0">
+                <a:solidFill>
+                  <a:schemeClr val="tx1"/>
+                </a:solidFill>
+              </a:rPr>
+              <a:t>) </a:t>
+            </a:r>
+          </a:p>
+          <a:p>
             <a:r>
               <a:rPr lang="es-CO" sz="1200" dirty="0" smtClean="0">
                 <a:solidFill>
                   <a:schemeClr val="tx1"/>
                 </a:solidFill>
               </a:rPr>
+              <a:t>gramo </a:t>
+            </a:r>
+            <a:r>
+              <a:rPr lang="es-CO" sz="1200" dirty="0">
+                <a:solidFill>
+                  <a:schemeClr val="tx1"/>
+                </a:solidFill>
+              </a:rPr>
+              <a:t>(g) </a:t>
+            </a:r>
+          </a:p>
+          <a:p>
+            <a:r>
+              <a:rPr lang="es-CO" sz="1200" dirty="0" smtClean="0">
+                <a:solidFill>
+                  <a:schemeClr val="tx1"/>
+                </a:solidFill>
+              </a:rPr>
+              <a:t>decigramo </a:t>
+            </a:r>
+            <a:r>
+              <a:rPr lang="es-CO" sz="1200" dirty="0">
+                <a:solidFill>
+                  <a:schemeClr val="tx1"/>
+                </a:solidFill>
+              </a:rPr>
+              <a:t>(dg) </a:t>
+            </a:r>
+          </a:p>
+          <a:p>
+            <a:r>
+              <a:rPr lang="es-CO" sz="1200" dirty="0" smtClean="0">
+                <a:solidFill>
+                  <a:schemeClr val="tx1"/>
+                </a:solidFill>
+              </a:rPr>
+              <a:t>centigramo </a:t>
+            </a:r>
+            <a:r>
+              <a:rPr lang="es-CO" sz="1200" dirty="0">
+                <a:solidFill>
+                  <a:schemeClr val="tx1"/>
+                </a:solidFill>
+              </a:rPr>
               <a:t>(</a:t>
             </a:r>
             <a:r>
-              <a:rPr lang="es-CO" sz="1200" dirty="0" err="1" smtClean="0">
-                <a:solidFill>
-                  <a:schemeClr val="tx1"/>
-                </a:solidFill>
-              </a:rPr>
-              <a:t>dag</a:t>
-            </a:r>
-            <a:r>
-              <a:rPr lang="es-CO" sz="1200" dirty="0">
-                <a:solidFill>
-                  <a:schemeClr val="tx1"/>
-                </a:solidFill>
-              </a:rPr>
-              <a:t>) </a:t>
-            </a:r>
-          </a:p>
-          <a:p>
-            <a:r>
               <a:rPr lang="es-CO" sz="1200" dirty="0" smtClean="0">
                 <a:solidFill>
                   <a:schemeClr val="tx1"/>
                 </a:solidFill>
               </a:rPr>
-              <a:t>gramo </a:t>
-            </a:r>
-            <a:r>
-              <a:rPr lang="es-CO" sz="1200" dirty="0">
-                <a:solidFill>
-                  <a:schemeClr val="tx1"/>
-                </a:solidFill>
-              </a:rPr>
-              <a:t>(g) </a:t>
+              <a:t>cg)</a:t>
             </a:r>
           </a:p>
           <a:p>
@@ -4890,59 +4605,7 @@
                   <a:schemeClr val="tx1"/>
                 </a:solidFill>
               </a:rPr>
-              <a:t>decigramo </a:t>
-            </a:r>
-            <a:r>
-              <a:rPr lang="es-CO" sz="1200" dirty="0">
-                <a:solidFill>
-                  <a:schemeClr val="tx1"/>
-                </a:solidFill>
-              </a:rPr>
-              <a:t>(dg) </a:t>
-            </a:r>
-          </a:p>
-          <a:p>
-            <a:r>
-              <a:rPr lang="es-CO" sz="1200" dirty="0" smtClean="0">
-                <a:solidFill>
-                  <a:schemeClr val="tx1"/>
-                </a:solidFill>
-              </a:rPr>
-              <a:t>centigramo </a:t>
-            </a:r>
-            <a:r>
-              <a:rPr lang="es-CO" sz="1200" dirty="0">
-                <a:solidFill>
-                  <a:schemeClr val="tx1"/>
-                </a:solidFill>
-              </a:rPr>
-              <a:t>(</a:t>
-            </a:r>
-            <a:r>
-              <a:rPr lang="es-CO" sz="1200" dirty="0" smtClean="0">
-                <a:solidFill>
-                  <a:schemeClr val="tx1"/>
-                </a:solidFill>
-              </a:rPr>
-              <a:t>cg)</a:t>
-            </a:r>
-          </a:p>
-          <a:p>
-            <a:r>
-              <a:rPr lang="es-CO" sz="1200" dirty="0" smtClean="0">
-                <a:solidFill>
-                  <a:schemeClr val="tx1"/>
-                </a:solidFill>
-              </a:rPr>
-              <a:t>miligramo </a:t>
-            </a:r>
-            <a:r>
-              <a:rPr lang="es-CO" sz="1200" dirty="0" smtClean="0">
-                <a:solidFill>
-                  <a:schemeClr val="tx1"/>
-                </a:solidFill>
-              </a:rPr>
-              <a:t>(mg)</a:t>
+              <a:t>miligramo (mg)</a:t>
             </a:r>
             <a:endParaRPr lang="es-CO" sz="1200" dirty="0">
               <a:solidFill>
@@ -4960,7 +4623,7 @@
         </p:nvSpPr>
         <p:spPr>
           <a:xfrm>
-            <a:off x="6651189" y="4406632"/>
+            <a:off x="7641789" y="4406632"/>
             <a:ext cx="1394243" cy="276999"/>
           </a:xfrm>
           <a:prstGeom prst="rect">
@@ -4991,7 +4654,7 @@
         </p:nvCxnSpPr>
         <p:spPr>
           <a:xfrm rot="16200000" flipH="1">
-            <a:off x="7222403" y="4328123"/>
+            <a:off x="8276503" y="4328123"/>
             <a:ext cx="179087" cy="4"/>
           </a:xfrm>
           <a:prstGeom prst="bentConnector3">
@@ -5028,7 +4691,7 @@
         </p:nvCxnSpPr>
         <p:spPr>
           <a:xfrm rot="16200000" flipH="1">
-            <a:off x="7219586" y="4718252"/>
+            <a:off x="8273686" y="4718252"/>
             <a:ext cx="179087" cy="4"/>
           </a:xfrm>
           <a:prstGeom prst="bentConnector3">
@@ -5065,7 +4728,7 @@
         </p:nvSpPr>
         <p:spPr>
           <a:xfrm>
-            <a:off x="6821859" y="4820723"/>
+            <a:off x="7812459" y="4820723"/>
             <a:ext cx="1075329" cy="605245"/>
           </a:xfrm>
           <a:prstGeom prst="rect">
@@ -5105,34 +4768,18 @@
                   <a:schemeClr val="tx1"/>
                 </a:solidFill>
               </a:rPr>
-              <a:t>minuto </a:t>
-            </a:r>
+              <a:t>minuto (min)</a:t>
+            </a:r>
+          </a:p>
+          <a:p>
+            <a:pPr algn="ctr"/>
             <a:r>
               <a:rPr lang="es-ES" sz="1200" dirty="0" smtClean="0">
                 <a:solidFill>
                   <a:schemeClr val="tx1"/>
                 </a:solidFill>
               </a:rPr>
-              <a:t>(min)</a:t>
-            </a:r>
-          </a:p>
-          <a:p>
-            <a:pPr algn="ctr"/>
-            <a:r>
-              <a:rPr lang="es-ES" sz="1200" dirty="0" smtClean="0">
-                <a:solidFill>
-                  <a:schemeClr val="tx1"/>
-                </a:solidFill>
-              </a:rPr>
-              <a:t>hora </a:t>
-            </a:r>
-            <a:r>
-              <a:rPr lang="es-ES" sz="1200" dirty="0" smtClean="0">
-                <a:solidFill>
-                  <a:schemeClr val="tx1"/>
-                </a:solidFill>
-              </a:rPr>
-              <a:t>(h)</a:t>
+              <a:t>hora (h)</a:t>
             </a:r>
             <a:endParaRPr lang="es-ES" sz="1200" dirty="0">
               <a:solidFill>
@@ -5145,15 +4792,17 @@
       <p:cxnSp>
         <p:nvCxnSpPr>
           <p:cNvPr id="140" name="Conector angular 139"/>
-          <p:cNvCxnSpPr/>
+          <p:cNvCxnSpPr>
+            <a:endCxn id="49" idx="0"/>
+          </p:cNvCxnSpPr>
           <p:nvPr/>
         </p:nvCxnSpPr>
         <p:spPr>
-          <a:xfrm rot="5400000">
-            <a:off x="4101087" y="1787660"/>
-            <a:ext cx="72000" cy="1224000"/>
-          </a:xfrm>
-          <a:prstGeom prst="bentConnector3">
+          <a:xfrm rot="10800000" flipV="1">
+            <a:off x="4327473" y="2363659"/>
+            <a:ext cx="421614" cy="102949"/>
+          </a:xfrm>
+          <a:prstGeom prst="bentConnector2">
             <a:avLst/>
           </a:prstGeom>
           <a:ln w="12700">
@@ -5180,15 +4829,17 @@
       <p:cxnSp>
         <p:nvCxnSpPr>
           <p:cNvPr id="141" name="Conector angular 140"/>
-          <p:cNvCxnSpPr/>
+          <p:cNvCxnSpPr>
+            <a:endCxn id="50" idx="0"/>
+          </p:cNvCxnSpPr>
           <p:nvPr/>
         </p:nvCxnSpPr>
         <p:spPr>
-          <a:xfrm rot="16200000" flipH="1">
-            <a:off x="5411009" y="1724924"/>
-            <a:ext cx="72000" cy="1368000"/>
-          </a:xfrm>
-          <a:prstGeom prst="bentConnector3">
+          <a:xfrm>
+            <a:off x="4763009" y="2372924"/>
+            <a:ext cx="2342026" cy="93599"/>
+          </a:xfrm>
+          <a:prstGeom prst="bentConnector2">
             <a:avLst/>
           </a:prstGeom>
           <a:ln w="12700">
@@ -5212,10 +4863,278 @@
           </a:fontRef>
         </p:style>
       </p:cxnSp>
+      <p:sp>
+        <p:nvSpPr>
+          <p:cNvPr id="115" name="Rectángulo 114"/>
+          <p:cNvSpPr/>
+          <p:nvPr/>
+        </p:nvSpPr>
+        <p:spPr>
+          <a:xfrm>
+            <a:off x="1752600" y="4826240"/>
+            <a:ext cx="1828800" cy="605245"/>
+          </a:xfrm>
+          <a:prstGeom prst="rect">
+            <a:avLst/>
+          </a:prstGeom>
+          <a:solidFill>
+            <a:schemeClr val="bg1"/>
+          </a:solidFill>
+          <a:ln>
+            <a:solidFill>
+              <a:schemeClr val="tx1"/>
+            </a:solidFill>
+          </a:ln>
+        </p:spPr>
+        <p:style>
+          <a:lnRef idx="2">
+            <a:schemeClr val="accent6"/>
+          </a:lnRef>
+          <a:fillRef idx="1">
+            <a:schemeClr val="lt1"/>
+          </a:fillRef>
+          <a:effectRef idx="0">
+            <a:schemeClr val="accent6"/>
+          </a:effectRef>
+          <a:fontRef idx="minor">
+            <a:schemeClr val="dk1"/>
+          </a:fontRef>
+        </p:style>
+        <p:txBody>
+          <a:bodyPr rtlCol="0" anchor="ctr"/>
+          <a:lstStyle/>
+          <a:p>
+            <a:pPr algn="ctr"/>
+            <a:r>
+              <a:rPr lang="es-ES" sz="1400" dirty="0">
+                <a:solidFill>
+                  <a:schemeClr val="tx1"/>
+                </a:solidFill>
+              </a:rPr>
+              <a:t>k</a:t>
+            </a:r>
+            <a:r>
+              <a:rPr lang="es-ES" sz="1400" dirty="0" smtClean="0">
+                <a:solidFill>
+                  <a:schemeClr val="tx1"/>
+                </a:solidFill>
+              </a:rPr>
+              <a:t>il</a:t>
+            </a:r>
+            <a:r>
+              <a:rPr lang="es-ES" sz="1400" dirty="0" smtClean="0">
+                <a:solidFill>
+                  <a:schemeClr val="tx1"/>
+                </a:solidFill>
+              </a:rPr>
+              <a:t>ómetro cuadrado</a:t>
+            </a:r>
+            <a:endParaRPr lang="es-ES" sz="1400" baseline="30000" dirty="0" smtClean="0">
+              <a:solidFill>
+                <a:schemeClr val="tx1"/>
+              </a:solidFill>
+            </a:endParaRPr>
+          </a:p>
+          <a:p>
+            <a:pPr algn="ctr"/>
+            <a:r>
+              <a:rPr lang="es-ES" sz="1400" dirty="0">
+                <a:solidFill>
+                  <a:schemeClr val="tx1"/>
+                </a:solidFill>
+              </a:rPr>
+              <a:t>h</a:t>
+            </a:r>
+            <a:r>
+              <a:rPr lang="es-ES" sz="1400" dirty="0" smtClean="0">
+                <a:solidFill>
+                  <a:schemeClr val="tx1"/>
+                </a:solidFill>
+              </a:rPr>
+              <a:t>ect</a:t>
+            </a:r>
+            <a:r>
+              <a:rPr lang="es-ES" sz="1400" dirty="0" smtClean="0">
+                <a:solidFill>
+                  <a:schemeClr val="tx1"/>
+                </a:solidFill>
+              </a:rPr>
+              <a:t>ómetro cuadrado</a:t>
+            </a:r>
+            <a:endParaRPr lang="es-ES" sz="1400" baseline="30000" dirty="0" smtClean="0">
+              <a:solidFill>
+                <a:schemeClr val="tx1"/>
+              </a:solidFill>
+            </a:endParaRPr>
+          </a:p>
+          <a:p>
+            <a:pPr algn="ctr"/>
+            <a:r>
+              <a:rPr lang="es-ES" sz="1400" dirty="0" smtClean="0">
+                <a:solidFill>
+                  <a:schemeClr val="tx1"/>
+                </a:solidFill>
+              </a:rPr>
+              <a:t>dec</a:t>
+            </a:r>
+            <a:r>
+              <a:rPr lang="es-ES" sz="1400" dirty="0" smtClean="0">
+                <a:solidFill>
+                  <a:schemeClr val="tx1"/>
+                </a:solidFill>
+              </a:rPr>
+              <a:t>ámetro cuadrado</a:t>
+            </a:r>
+            <a:endParaRPr lang="es-ES" sz="1400" baseline="30000" dirty="0">
+              <a:solidFill>
+                <a:schemeClr val="tx1"/>
+              </a:solidFill>
+            </a:endParaRPr>
+          </a:p>
+        </p:txBody>
+      </p:sp>
+      <p:sp>
+        <p:nvSpPr>
+          <p:cNvPr id="134" name="Rectángulo 133"/>
+          <p:cNvSpPr/>
+          <p:nvPr/>
+        </p:nvSpPr>
+        <p:spPr>
+          <a:xfrm>
+            <a:off x="1765300" y="6004452"/>
+            <a:ext cx="1803400" cy="605245"/>
+          </a:xfrm>
+          <a:prstGeom prst="rect">
+            <a:avLst/>
+          </a:prstGeom>
+          <a:solidFill>
+            <a:schemeClr val="bg1"/>
+          </a:solidFill>
+          <a:ln>
+            <a:solidFill>
+              <a:schemeClr val="tx1"/>
+            </a:solidFill>
+          </a:ln>
+        </p:spPr>
+        <p:style>
+          <a:lnRef idx="2">
+            <a:schemeClr val="accent6"/>
+          </a:lnRef>
+          <a:fillRef idx="1">
+            <a:schemeClr val="lt1"/>
+          </a:fillRef>
+          <a:effectRef idx="0">
+            <a:schemeClr val="accent6"/>
+          </a:effectRef>
+          <a:fontRef idx="minor">
+            <a:schemeClr val="dk1"/>
+          </a:fontRef>
+        </p:style>
+        <p:txBody>
+          <a:bodyPr rtlCol="0" anchor="ctr"/>
+          <a:lstStyle/>
+          <a:p>
+            <a:pPr algn="ctr"/>
+            <a:r>
+              <a:rPr lang="es-ES" sz="1400" dirty="0">
+                <a:solidFill>
+                  <a:schemeClr val="tx1"/>
+                </a:solidFill>
+              </a:rPr>
+              <a:t>d</a:t>
+            </a:r>
+            <a:r>
+              <a:rPr lang="es-ES" sz="1400" dirty="0" smtClean="0">
+                <a:solidFill>
+                  <a:schemeClr val="tx1"/>
+                </a:solidFill>
+              </a:rPr>
+              <a:t>ec</a:t>
+            </a:r>
+            <a:r>
+              <a:rPr lang="es-ES" sz="1400" dirty="0" smtClean="0">
+                <a:solidFill>
+                  <a:schemeClr val="tx1"/>
+                </a:solidFill>
+              </a:rPr>
+              <a:t>ímetro cuadrado</a:t>
+            </a:r>
+            <a:endParaRPr lang="es-ES" sz="1400" baseline="30000" dirty="0" smtClean="0">
+              <a:solidFill>
+                <a:schemeClr val="tx1"/>
+              </a:solidFill>
+            </a:endParaRPr>
+          </a:p>
+          <a:p>
+            <a:pPr algn="ctr"/>
+            <a:r>
+              <a:rPr lang="es-ES" sz="1400" dirty="0">
+                <a:solidFill>
+                  <a:schemeClr val="tx1"/>
+                </a:solidFill>
+              </a:rPr>
+              <a:t>c</a:t>
+            </a:r>
+            <a:r>
+              <a:rPr lang="es-ES" sz="1400" dirty="0" smtClean="0">
+                <a:solidFill>
+                  <a:schemeClr val="tx1"/>
+                </a:solidFill>
+              </a:rPr>
+              <a:t>ent</a:t>
+            </a:r>
+            <a:r>
+              <a:rPr lang="es-ES" sz="1400" dirty="0" smtClean="0">
+                <a:solidFill>
+                  <a:schemeClr val="tx1"/>
+                </a:solidFill>
+              </a:rPr>
+              <a:t>ímetro cuadrado</a:t>
+            </a:r>
+            <a:endParaRPr lang="es-ES" sz="1400" baseline="30000" dirty="0" smtClean="0">
+              <a:solidFill>
+                <a:schemeClr val="tx1"/>
+              </a:solidFill>
+            </a:endParaRPr>
+          </a:p>
+          <a:p>
+            <a:pPr algn="ctr"/>
+            <a:r>
+              <a:rPr lang="es-ES" sz="1400" dirty="0">
+                <a:solidFill>
+                  <a:schemeClr val="tx1"/>
+                </a:solidFill>
+              </a:rPr>
+              <a:t>m</a:t>
+            </a:r>
+            <a:r>
+              <a:rPr lang="es-ES" sz="1400" dirty="0" smtClean="0">
+                <a:solidFill>
+                  <a:schemeClr val="tx1"/>
+                </a:solidFill>
+              </a:rPr>
+              <a:t>il</a:t>
+            </a:r>
+            <a:r>
+              <a:rPr lang="es-ES" sz="1400" dirty="0" smtClean="0">
+                <a:solidFill>
+                  <a:schemeClr val="tx1"/>
+                </a:solidFill>
+              </a:rPr>
+              <a:t>ímetro cuadrado</a:t>
+            </a:r>
+            <a:endParaRPr lang="es-ES" sz="1400" baseline="30000" dirty="0">
+              <a:solidFill>
+                <a:schemeClr val="tx1"/>
+              </a:solidFill>
+            </a:endParaRPr>
+          </a:p>
+        </p:txBody>
+      </p:sp>
     </p:spTree>
     <p:extLst>
       <p:ext uri="{BB962C8B-B14F-4D97-AF65-F5344CB8AC3E}">
-        <p14:creationId xmlns:p14="http://schemas.microsoft.com/office/powerpoint/2010/main" xmlns="" val="1910700679"/>
+        <p14:creationId xmlns:p14="http://schemas.microsoft.com/office/powerpoint/2010/main" val="1910700679"/>
       </p:ext>
     </p:extLst>
   </p:cSld>
@@ -5225,7 +5144,7 @@
   <p:timing>
     <p:tnLst>
       <p:par>
-        <p:cTn id="1" dur="indefinite" restart="never" nodeType="tmRoot"/>
+        <p:cTn xmlns:p14="http://schemas.microsoft.com/office/powerpoint/2010/main" id="1" dur="indefinite" restart="never" nodeType="tmRoot"/>
       </p:par>
     </p:tnLst>
   </p:timing>
@@ -5487,7 +5406,7 @@
   <a:extraClrSchemeLst/>
   <a:extLst>
     <a:ext uri="{05A4C25C-085E-4340-85A3-A5531E510DB2}">
-      <thm15:themeFamily xmlns="" xmlns:thm15="http://schemas.microsoft.com/office/thememl/2012/main" name="Office Theme" id="{62F939B6-93AF-4DB8-9C6B-D6C7DFDC589F}" vid="{4A3C46E8-61CC-4603-A589-7422A47A8E4A}"/>
+      <thm15:themeFamily xmlns:thm15="http://schemas.microsoft.com/office/thememl/2012/main" xmlns="" name="Office Theme" id="{62F939B6-93AF-4DB8-9C6B-D6C7DFDC589F}" vid="{4A3C46E8-61CC-4603-A589-7422A47A8E4A}"/>
     </a:ext>
   </a:extLst>
 </a:theme>

--- a/fuentes/contenidos/grado06/guion13/MA_06_13_Mapa_Conceptual.pptx
+++ b/fuentes/contenidos/grado06/guion13/MA_06_13_Mapa_Conceptual.pptx
@@ -106,7 +106,18 @@
   </p:defaultTextStyle>
   <p:extLst>
     <p:ext uri="{EFAFB233-063F-42B5-8137-9DF3F51BA10A}">
-      <p15:sldGuideLst xmlns:p15="http://schemas.microsoft.com/office/powerpoint/2012/main" xmlns=""/>
+      <p15:sldGuideLst xmlns:p15="http://schemas.microsoft.com/office/powerpoint/2012/main">
+        <p15:guide id="1" orient="horz" pos="2160">
+          <p15:clr>
+            <a:srgbClr val="A4A3A4"/>
+          </p15:clr>
+        </p15:guide>
+        <p15:guide id="2" pos="2880">
+          <p15:clr>
+            <a:srgbClr val="A4A3A4"/>
+          </p15:clr>
+        </p15:guide>
+      </p15:sldGuideLst>
     </p:ext>
   </p:extLst>
 </p:presentation>
@@ -139,13 +150,6 @@
   <p:clrMapOvr>
     <a:masterClrMapping/>
   </p:clrMapOvr>
-  <p:timing>
-    <p:tnLst>
-      <p:par>
-        <p:cTn xmlns:p14="http://schemas.microsoft.com/office/powerpoint/2010/main" id="1" dur="indefinite" restart="never" nodeType="tmRoot"/>
-      </p:par>
-    </p:tnLst>
-  </p:timing>
 </p:sldLayout>
 </file>
 
@@ -176,13 +180,6 @@
   <p:clrMapOvr>
     <a:masterClrMapping/>
   </p:clrMapOvr>
-  <p:timing>
-    <p:tnLst>
-      <p:par>
-        <p:cTn xmlns:p14="http://schemas.microsoft.com/office/powerpoint/2010/main" id="1" dur="indefinite" restart="never" nodeType="tmRoot"/>
-      </p:par>
-    </p:tnLst>
-  </p:timing>
 </p:sldLayout>
 </file>
 
@@ -213,13 +210,6 @@
   <p:clrMapOvr>
     <a:masterClrMapping/>
   </p:clrMapOvr>
-  <p:timing>
-    <p:tnLst>
-      <p:par>
-        <p:cTn xmlns:p14="http://schemas.microsoft.com/office/powerpoint/2010/main" id="1" dur="indefinite" restart="never" nodeType="tmRoot"/>
-      </p:par>
-    </p:tnLst>
-  </p:timing>
 </p:sldLayout>
 </file>
 
@@ -250,13 +240,6 @@
   <p:clrMapOvr>
     <a:masterClrMapping/>
   </p:clrMapOvr>
-  <p:timing>
-    <p:tnLst>
-      <p:par>
-        <p:cTn xmlns:p14="http://schemas.microsoft.com/office/powerpoint/2010/main" id="1" dur="indefinite" restart="never" nodeType="tmRoot"/>
-      </p:par>
-    </p:tnLst>
-  </p:timing>
 </p:sldLayout>
 </file>
 
@@ -287,13 +270,6 @@
   <p:clrMapOvr>
     <a:masterClrMapping/>
   </p:clrMapOvr>
-  <p:timing>
-    <p:tnLst>
-      <p:par>
-        <p:cTn xmlns:p14="http://schemas.microsoft.com/office/powerpoint/2010/main" id="1" dur="indefinite" restart="never" nodeType="tmRoot"/>
-      </p:par>
-    </p:tnLst>
-  </p:timing>
 </p:sldLayout>
 </file>
 
@@ -324,13 +300,6 @@
   <p:clrMapOvr>
     <a:masterClrMapping/>
   </p:clrMapOvr>
-  <p:timing>
-    <p:tnLst>
-      <p:par>
-        <p:cTn xmlns:p14="http://schemas.microsoft.com/office/powerpoint/2010/main" id="1" dur="indefinite" restart="never" nodeType="tmRoot"/>
-      </p:par>
-    </p:tnLst>
-  </p:timing>
 </p:sldLayout>
 </file>
 
@@ -361,13 +330,6 @@
   <p:clrMapOvr>
     <a:masterClrMapping/>
   </p:clrMapOvr>
-  <p:timing>
-    <p:tnLst>
-      <p:par>
-        <p:cTn xmlns:p14="http://schemas.microsoft.com/office/powerpoint/2010/main" id="1" dur="indefinite" restart="never" nodeType="tmRoot"/>
-      </p:par>
-    </p:tnLst>
-  </p:timing>
 </p:sldLayout>
 </file>
 
@@ -398,13 +360,6 @@
   <p:clrMapOvr>
     <a:masterClrMapping/>
   </p:clrMapOvr>
-  <p:timing>
-    <p:tnLst>
-      <p:par>
-        <p:cTn xmlns:p14="http://schemas.microsoft.com/office/powerpoint/2010/main" id="1" dur="indefinite" restart="never" nodeType="tmRoot"/>
-      </p:par>
-    </p:tnLst>
-  </p:timing>
 </p:sldLayout>
 </file>
 
@@ -451,7 +406,7 @@
             <a:fld id="{5001C876-01F7-4317-94B9-1AE222133113}" type="datetimeFigureOut">
               <a:rPr lang="es-ES" smtClean="0"/>
               <a:pPr/>
-              <a:t>15/03/16</a:t>
+              <a:t>15/03/2016</a:t>
             </a:fld>
             <a:endParaRPr lang="es-ES"/>
           </a:p>
@@ -510,7 +465,7 @@
             <a:fld id="{58140F73-F5A2-4B82-A2FA-BF1850CF1309}" type="slidenum">
               <a:rPr lang="es-ES" smtClean="0"/>
               <a:pPr/>
-              <a:t>‹Nr.›</a:t>
+              <a:t>‹Nº›</a:t>
             </a:fld>
             <a:endParaRPr lang="es-ES"/>
           </a:p>
@@ -526,13 +481,6 @@
   <p:clrMapOvr>
     <a:masterClrMapping/>
   </p:clrMapOvr>
-  <p:timing>
-    <p:tnLst>
-      <p:par>
-        <p:cTn xmlns:p14="http://schemas.microsoft.com/office/powerpoint/2010/main" id="1" dur="indefinite" restart="never" nodeType="tmRoot"/>
-      </p:par>
-    </p:tnLst>
-  </p:timing>
 </p:sldLayout>
 </file>
 
@@ -563,13 +511,6 @@
   <p:clrMapOvr>
     <a:masterClrMapping/>
   </p:clrMapOvr>
-  <p:timing>
-    <p:tnLst>
-      <p:par>
-        <p:cTn xmlns:p14="http://schemas.microsoft.com/office/powerpoint/2010/main" id="1" dur="indefinite" restart="never" nodeType="tmRoot"/>
-      </p:par>
-    </p:tnLst>
-  </p:timing>
 </p:sldLayout>
 </file>
 
@@ -600,13 +541,6 @@
   <p:clrMapOvr>
     <a:masterClrMapping/>
   </p:clrMapOvr>
-  <p:timing>
-    <p:tnLst>
-      <p:par>
-        <p:cTn xmlns:p14="http://schemas.microsoft.com/office/powerpoint/2010/main" id="1" dur="indefinite" restart="never" nodeType="tmRoot"/>
-      </p:par>
-    </p:tnLst>
-  </p:timing>
 </p:sldLayout>
 </file>
 
@@ -655,10 +589,9 @@
           <a:lstStyle/>
           <a:p>
             <a:r>
-              <a:rPr lang="es-ES" sz="1200" dirty="0" smtClean="0"/>
-              <a:t>© Editorial Planeta Colombiana S.A., 2015.</a:t>
-            </a:r>
-            <a:endParaRPr lang="es-ES" sz="1200" dirty="0"/>
+              <a:rPr lang="es-ES" sz="1200" dirty="0"/>
+              <a:t>© Editorial Planeta Colombiana S.A., 2016.</a:t>
+            </a:r>
           </a:p>
         </p:txBody>
       </p:sp>
@@ -713,13 +646,6 @@
     <p:sldLayoutId id="2147483670" r:id="rId10"/>
     <p:sldLayoutId id="2147483671" r:id="rId11"/>
   </p:sldLayoutIdLst>
-  <p:timing>
-    <p:tnLst>
-      <p:par>
-        <p:cTn xmlns:p14="http://schemas.microsoft.com/office/powerpoint/2010/main" id="1" dur="indefinite" restart="never" nodeType="tmRoot"/>
-      </p:par>
-    </p:tnLst>
-  </p:timing>
   <p:txStyles>
     <p:titleStyle>
       <a:lvl1pPr algn="l" defTabSz="914400" rtl="0" eaLnBrk="1" latinLnBrk="0" hangingPunct="1">
@@ -1063,10 +989,9 @@
           <a:p>
             <a:pPr algn="ctr"/>
             <a:r>
-              <a:rPr lang="es-ES" sz="2000" dirty="0" smtClean="0"/>
+              <a:rPr lang="es-ES" sz="2000" dirty="0"/>
               <a:t>Sistemas y unidades de medida</a:t>
             </a:r>
-            <a:endParaRPr lang="es-ES" sz="2000" dirty="0"/>
           </a:p>
         </p:txBody>
       </p:sp>
@@ -1120,10 +1045,9 @@
           <a:p>
             <a:pPr algn="ctr"/>
             <a:r>
-              <a:rPr lang="es-ES" sz="1600" dirty="0" smtClean="0"/>
+              <a:rPr lang="es-ES" sz="1600" dirty="0"/>
               <a:t>Sistema Internacional de Unidades</a:t>
             </a:r>
-            <a:endParaRPr lang="es-ES" sz="1600" dirty="0"/>
           </a:p>
         </p:txBody>
       </p:sp>
@@ -1135,7 +1059,7 @@
         </p:nvSpPr>
         <p:spPr>
           <a:xfrm>
-            <a:off x="4060056" y="2077913"/>
+            <a:off x="4060056" y="2055053"/>
             <a:ext cx="1394243" cy="276999"/>
           </a:xfrm>
           <a:prstGeom prst="rect">
@@ -1152,13 +1076,8 @@
             <a:pPr algn="ctr"/>
             <a:r>
               <a:rPr lang="es-ES" sz="1200" dirty="0"/>
-              <a:t>s</a:t>
-            </a:r>
-            <a:r>
-              <a:rPr lang="es-ES" sz="1200" dirty="0" smtClean="0"/>
-              <a:t>e aplica en</a:t>
-            </a:r>
-            <a:endParaRPr lang="es-ES" sz="1200" dirty="0"/>
+              <a:t>se aplica en</a:t>
+            </a:r>
           </a:p>
         </p:txBody>
       </p:sp>
@@ -1170,8 +1089,8 @@
         </p:nvSpPr>
         <p:spPr>
           <a:xfrm>
-            <a:off x="383640" y="2466523"/>
-            <a:ext cx="1210057" cy="605245"/>
+            <a:off x="419592" y="2466523"/>
+            <a:ext cx="1100052" cy="605245"/>
           </a:xfrm>
           <a:prstGeom prst="rect">
             <a:avLst/>
@@ -1207,18 +1126,13 @@
           <a:p>
             <a:pPr algn="ctr"/>
             <a:r>
-              <a:rPr lang="es-ES" sz="1400" dirty="0" smtClean="0">
+              <a:rPr lang="es-ES" sz="1400" dirty="0">
                 <a:solidFill>
                   <a:schemeClr val="bg1"/>
                 </a:solidFill>
               </a:rPr>
               <a:t>Longitud</a:t>
             </a:r>
-            <a:endParaRPr lang="es-ES" sz="1400" dirty="0">
-              <a:solidFill>
-                <a:schemeClr val="bg1"/>
-              </a:solidFill>
-            </a:endParaRPr>
           </a:p>
         </p:txBody>
       </p:sp>
@@ -1230,7 +1144,7 @@
         </p:nvSpPr>
         <p:spPr>
           <a:xfrm>
-            <a:off x="1890284" y="2466523"/>
+            <a:off x="2180624" y="2466523"/>
             <a:ext cx="1045339" cy="605245"/>
           </a:xfrm>
           <a:prstGeom prst="rect">
@@ -1267,18 +1181,13 @@
           <a:p>
             <a:pPr algn="ctr"/>
             <a:r>
-              <a:rPr lang="es-ES" sz="1400" dirty="0" smtClean="0">
+              <a:rPr lang="es-ES" sz="1400" dirty="0">
                 <a:solidFill>
                   <a:schemeClr val="bg1"/>
                 </a:solidFill>
               </a:rPr>
               <a:t>Superficie</a:t>
             </a:r>
-            <a:endParaRPr lang="es-ES" sz="1400" dirty="0">
-              <a:solidFill>
-                <a:schemeClr val="bg1"/>
-              </a:solidFill>
-            </a:endParaRPr>
           </a:p>
         </p:txBody>
       </p:sp>
@@ -1290,7 +1199,7 @@
         </p:nvSpPr>
         <p:spPr>
           <a:xfrm>
-            <a:off x="3792829" y="2466609"/>
+            <a:off x="3950309" y="2466609"/>
             <a:ext cx="1069287" cy="605245"/>
           </a:xfrm>
           <a:prstGeom prst="rect">
@@ -1327,18 +1236,13 @@
           <a:p>
             <a:pPr algn="ctr"/>
             <a:r>
-              <a:rPr lang="es-ES" sz="1400" dirty="0" smtClean="0">
+              <a:rPr lang="es-ES" sz="1400" dirty="0">
                 <a:solidFill>
                   <a:schemeClr val="bg1"/>
                 </a:solidFill>
               </a:rPr>
               <a:t>Volumen</a:t>
             </a:r>
-            <a:endParaRPr lang="es-ES" sz="1400" dirty="0">
-              <a:solidFill>
-                <a:schemeClr val="bg1"/>
-              </a:solidFill>
-            </a:endParaRPr>
           </a:p>
         </p:txBody>
       </p:sp>
@@ -1350,7 +1254,7 @@
         </p:nvSpPr>
         <p:spPr>
           <a:xfrm>
-            <a:off x="6579467" y="2466523"/>
+            <a:off x="6683099" y="2466523"/>
             <a:ext cx="1051136" cy="605245"/>
           </a:xfrm>
           <a:prstGeom prst="rect">
@@ -1387,18 +1291,13 @@
           <a:p>
             <a:pPr algn="ctr"/>
             <a:r>
-              <a:rPr lang="es-ES" sz="1400" dirty="0" smtClean="0">
+              <a:rPr lang="es-ES" sz="1400" dirty="0">
                 <a:solidFill>
                   <a:schemeClr val="bg1"/>
                 </a:solidFill>
               </a:rPr>
               <a:t>Masa</a:t>
             </a:r>
-            <a:endParaRPr lang="es-ES" sz="1400" dirty="0">
-              <a:solidFill>
-                <a:schemeClr val="bg1"/>
-              </a:solidFill>
-            </a:endParaRPr>
           </a:p>
         </p:txBody>
       </p:sp>
@@ -1410,8 +1309,8 @@
         </p:nvSpPr>
         <p:spPr>
           <a:xfrm>
-            <a:off x="7733155" y="2467234"/>
-            <a:ext cx="1105774" cy="605245"/>
+            <a:off x="7951567" y="2467234"/>
+            <a:ext cx="1075329" cy="605245"/>
           </a:xfrm>
           <a:prstGeom prst="rect">
             <a:avLst/>
@@ -1447,18 +1346,13 @@
           <a:p>
             <a:pPr algn="ctr"/>
             <a:r>
-              <a:rPr lang="es-ES" sz="1400" dirty="0" smtClean="0">
+              <a:rPr lang="es-ES" sz="1400" dirty="0">
                 <a:solidFill>
                   <a:schemeClr val="bg1"/>
                 </a:solidFill>
               </a:rPr>
               <a:t>Tiempo</a:t>
             </a:r>
-            <a:endParaRPr lang="es-ES" sz="1400" dirty="0">
-              <a:solidFill>
-                <a:schemeClr val="bg1"/>
-              </a:solidFill>
-            </a:endParaRPr>
           </a:p>
         </p:txBody>
       </p:sp>
@@ -1470,7 +1364,7 @@
         </p:nvSpPr>
         <p:spPr>
           <a:xfrm>
-            <a:off x="278652" y="3196685"/>
+            <a:off x="271032" y="3196685"/>
             <a:ext cx="1394243" cy="276999"/>
           </a:xfrm>
           <a:prstGeom prst="rect">
@@ -1487,26 +1381,24 @@
             <a:pPr algn="ctr"/>
             <a:r>
               <a:rPr lang="es-ES" sz="1200" dirty="0"/>
-              <a:t>u</a:t>
-            </a:r>
-            <a:r>
-              <a:rPr lang="es-ES" sz="1200" dirty="0" smtClean="0"/>
-              <a:t>nidad de medida</a:t>
-            </a:r>
-            <a:endParaRPr lang="es-ES" sz="1200" dirty="0"/>
+              <a:t>unidad de medida</a:t>
+            </a:r>
           </a:p>
         </p:txBody>
       </p:sp>
       <p:cxnSp>
         <p:nvCxnSpPr>
           <p:cNvPr id="68" name="Conector angular 67"/>
-          <p:cNvCxnSpPr/>
+          <p:cNvCxnSpPr>
+            <a:stCxn id="44" idx="2"/>
+            <a:endCxn id="67" idx="0"/>
+          </p:cNvCxnSpPr>
           <p:nvPr/>
         </p:nvCxnSpPr>
         <p:spPr>
           <a:xfrm rot="5400000">
-            <a:off x="899044" y="3171470"/>
-            <a:ext cx="153462" cy="1"/>
+            <a:off x="906428" y="3133494"/>
+            <a:ext cx="124917" cy="1464"/>
           </a:xfrm>
           <a:prstGeom prst="bentConnector3">
             <a:avLst/>
@@ -1540,8 +1432,8 @@
         </p:nvSpPr>
         <p:spPr>
           <a:xfrm>
-            <a:off x="370741" y="3601521"/>
-            <a:ext cx="1210057" cy="605245"/>
+            <a:off x="468126" y="3601521"/>
+            <a:ext cx="1000047" cy="605245"/>
           </a:xfrm>
           <a:prstGeom prst="rect">
             <a:avLst/>
@@ -1582,21 +1474,8 @@
                   <a:schemeClr val="tx1"/>
                 </a:solidFill>
               </a:rPr>
-              <a:t>m</a:t>
-            </a:r>
-            <a:r>
-              <a:rPr lang="es-ES" sz="1400" dirty="0" smtClean="0">
-                <a:solidFill>
-                  <a:schemeClr val="tx1"/>
-                </a:solidFill>
-              </a:rPr>
-              <a:t>etro (m)</a:t>
-            </a:r>
-            <a:endParaRPr lang="es-ES" sz="1400" dirty="0">
-              <a:solidFill>
-                <a:schemeClr val="tx1"/>
-              </a:solidFill>
-            </a:endParaRPr>
+              <a:t>metro (m)</a:t>
+            </a:r>
           </a:p>
         </p:txBody>
       </p:sp>
@@ -1608,8 +1487,8 @@
         </p:nvSpPr>
         <p:spPr>
           <a:xfrm>
-            <a:off x="52946" y="4816314"/>
-            <a:ext cx="1641844" cy="605245"/>
+            <a:off x="222826" y="4801681"/>
+            <a:ext cx="1492585" cy="665770"/>
           </a:xfrm>
           <a:prstGeom prst="rect">
             <a:avLst/>
@@ -1643,7 +1522,7 @@
           <a:p>
             <a:pPr algn="ctr"/>
             <a:r>
-              <a:rPr lang="es-ES" sz="1400" dirty="0" smtClean="0">
+              <a:rPr lang="es-ES" sz="1400" dirty="0">
                 <a:solidFill>
                   <a:schemeClr val="tx1"/>
                 </a:solidFill>
@@ -1654,7 +1533,7 @@
           <a:p>
             <a:pPr algn="ctr"/>
             <a:r>
-              <a:rPr lang="es-ES" sz="1400" dirty="0" smtClean="0">
+              <a:rPr lang="es-ES" sz="1400" dirty="0">
                 <a:solidFill>
                   <a:schemeClr val="tx1"/>
                 </a:solidFill>
@@ -1665,20 +1544,12 @@
           <a:p>
             <a:pPr algn="ctr"/>
             <a:r>
-              <a:rPr lang="es-ES" sz="1400" dirty="0" smtClean="0">
-                <a:solidFill>
-                  <a:schemeClr val="tx1"/>
-                </a:solidFill>
-              </a:rPr>
-              <a:t>decámetro </a:t>
-            </a:r>
-            <a:r>
               <a:rPr lang="es-ES" sz="1400" dirty="0">
                 <a:solidFill>
                   <a:schemeClr val="tx1"/>
                 </a:solidFill>
               </a:rPr>
-              <a:t>(</a:t>
+              <a:t>decámetro (</a:t>
             </a:r>
             <a:r>
               <a:rPr lang="es-ES" sz="1400" dirty="0" err="1">
@@ -1707,8 +1578,8 @@
         </p:nvSpPr>
         <p:spPr>
           <a:xfrm>
-            <a:off x="78347" y="6005480"/>
-            <a:ext cx="1641844" cy="605245"/>
+            <a:off x="221557" y="6014292"/>
+            <a:ext cx="1492585" cy="665770"/>
           </a:xfrm>
           <a:prstGeom prst="rect">
             <a:avLst/>
@@ -1742,7 +1613,7 @@
           <a:p>
             <a:pPr algn="ctr"/>
             <a:r>
-              <a:rPr lang="es-ES" sz="1400" dirty="0" smtClean="0">
+              <a:rPr lang="es-ES" sz="1400" dirty="0">
                 <a:solidFill>
                   <a:schemeClr val="tx1"/>
                 </a:solidFill>
@@ -1753,7 +1624,7 @@
           <a:p>
             <a:pPr algn="ctr"/>
             <a:r>
-              <a:rPr lang="es-ES" sz="1400" dirty="0" smtClean="0">
+              <a:rPr lang="es-ES" sz="1400" dirty="0">
                 <a:solidFill>
                   <a:schemeClr val="tx1"/>
                 </a:solidFill>
@@ -1764,18 +1635,13 @@
           <a:p>
             <a:pPr algn="ctr"/>
             <a:r>
-              <a:rPr lang="es-ES" sz="1400" dirty="0" smtClean="0">
+              <a:rPr lang="es-ES" sz="1400" dirty="0">
                 <a:solidFill>
                   <a:schemeClr val="tx1"/>
                 </a:solidFill>
               </a:rPr>
               <a:t>milímetro (mm)</a:t>
             </a:r>
-            <a:endParaRPr lang="es-ES" sz="1400" dirty="0">
-              <a:solidFill>
-                <a:schemeClr val="tx1"/>
-              </a:solidFill>
-            </a:endParaRPr>
           </a:p>
         </p:txBody>
       </p:sp>
@@ -1787,8 +1653,8 @@
         </p:nvSpPr>
         <p:spPr>
           <a:xfrm>
-            <a:off x="278652" y="4385853"/>
-            <a:ext cx="1394243" cy="276999"/>
+            <a:off x="574646" y="4385853"/>
+            <a:ext cx="787014" cy="276999"/>
           </a:xfrm>
           <a:prstGeom prst="rect">
             <a:avLst/>
@@ -1803,10 +1669,9 @@
           <a:p>
             <a:pPr algn="ctr"/>
             <a:r>
-              <a:rPr lang="es-ES" sz="1200" dirty="0" smtClean="0"/>
+              <a:rPr lang="es-ES" sz="1200" dirty="0"/>
               <a:t>múltiplos</a:t>
             </a:r>
-            <a:endParaRPr lang="es-ES" sz="1200" dirty="0"/>
           </a:p>
         </p:txBody>
       </p:sp>
@@ -1821,7 +1686,7 @@
         </p:nvCxnSpPr>
         <p:spPr>
           <a:xfrm rot="5400000">
-            <a:off x="911854" y="3537600"/>
+            <a:off x="904234" y="3537600"/>
             <a:ext cx="127837" cy="4"/>
           </a:xfrm>
           <a:prstGeom prst="bentConnector3">
@@ -1861,8 +1726,8 @@
         </p:nvCxnSpPr>
         <p:spPr>
           <a:xfrm rot="16200000" flipH="1">
-            <a:off x="886229" y="4296307"/>
-            <a:ext cx="179087" cy="4"/>
+            <a:off x="878608" y="4296307"/>
+            <a:ext cx="179087" cy="3"/>
           </a:xfrm>
           <a:prstGeom prst="bentConnector3">
             <a:avLst>
@@ -1898,8 +1763,8 @@
         </p:nvSpPr>
         <p:spPr>
           <a:xfrm>
-            <a:off x="278650" y="5575021"/>
-            <a:ext cx="1394243" cy="276999"/>
+            <a:off x="444394" y="5575021"/>
+            <a:ext cx="1047515" cy="276999"/>
           </a:xfrm>
           <a:prstGeom prst="rect">
             <a:avLst/>
@@ -1914,27 +1779,29 @@
           <a:p>
             <a:pPr algn="ctr"/>
             <a:r>
-              <a:rPr lang="es-ES" sz="1200" dirty="0" smtClean="0"/>
+              <a:rPr lang="es-ES" sz="1200" dirty="0"/>
               <a:t>submúltiplos</a:t>
             </a:r>
-            <a:endParaRPr lang="es-ES" sz="1200" dirty="0"/>
           </a:p>
         </p:txBody>
       </p:sp>
       <p:cxnSp>
         <p:nvCxnSpPr>
           <p:cNvPr id="63" name="Conector angular 62"/>
-          <p:cNvCxnSpPr/>
+          <p:cNvCxnSpPr>
+            <a:stCxn id="4" idx="2"/>
+            <a:endCxn id="84" idx="0"/>
+          </p:cNvCxnSpPr>
           <p:nvPr/>
         </p:nvCxnSpPr>
         <p:spPr>
-          <a:xfrm rot="16200000" flipH="1">
-            <a:off x="4714022" y="877899"/>
-            <a:ext cx="72000" cy="1"/>
+          <a:xfrm rot="5400000">
+            <a:off x="4716044" y="846360"/>
+            <a:ext cx="74864" cy="196"/>
           </a:xfrm>
           <a:prstGeom prst="bentConnector3">
             <a:avLst>
-              <a:gd name="adj1" fmla="val -21553"/>
+              <a:gd name="adj1" fmla="val 50000"/>
             </a:avLst>
           </a:prstGeom>
           <a:ln w="12700">
@@ -1961,13 +1828,16 @@
       <p:cxnSp>
         <p:nvCxnSpPr>
           <p:cNvPr id="65" name="Conector angular 64"/>
-          <p:cNvCxnSpPr/>
+          <p:cNvCxnSpPr>
+            <a:stCxn id="84" idx="2"/>
+            <a:endCxn id="7" idx="0"/>
+          </p:cNvCxnSpPr>
           <p:nvPr/>
         </p:nvCxnSpPr>
         <p:spPr>
           <a:xfrm rot="16200000" flipH="1">
-            <a:off x="4721179" y="1196976"/>
-            <a:ext cx="72000" cy="1"/>
+            <a:off x="4709516" y="1204750"/>
+            <a:ext cx="87921" cy="197"/>
           </a:xfrm>
           <a:prstGeom prst="bentConnector3">
             <a:avLst>
@@ -1999,17 +1869,20 @@
         <p:nvCxnSpPr>
           <p:cNvPr id="78" name="Conector angular 77"/>
           <p:cNvCxnSpPr>
+            <a:stCxn id="27" idx="2"/>
             <a:endCxn id="60" idx="0"/>
           </p:cNvCxnSpPr>
           <p:nvPr/>
         </p:nvCxnSpPr>
         <p:spPr>
-          <a:xfrm>
-            <a:off x="4765157" y="2375072"/>
-            <a:ext cx="3520885" cy="92162"/>
-          </a:xfrm>
-          <a:prstGeom prst="bentConnector2">
-            <a:avLst/>
+          <a:xfrm rot="16200000" flipH="1">
+            <a:off x="6555614" y="533616"/>
+            <a:ext cx="135182" cy="3732054"/>
+          </a:xfrm>
+          <a:prstGeom prst="bentConnector3">
+            <a:avLst>
+              <a:gd name="adj1" fmla="val 50000"/>
+            </a:avLst>
           </a:prstGeom>
           <a:ln w="12700">
             <a:solidFill>
@@ -2035,16 +1908,21 @@
       <p:cxnSp>
         <p:nvCxnSpPr>
           <p:cNvPr id="80" name="Conector angular 79"/>
-          <p:cNvCxnSpPr/>
+          <p:cNvCxnSpPr>
+            <a:stCxn id="116" idx="0"/>
+            <a:endCxn id="27" idx="2"/>
+          </p:cNvCxnSpPr>
           <p:nvPr/>
         </p:nvCxnSpPr>
         <p:spPr>
-          <a:xfrm rot="10800000">
-            <a:off x="4765494" y="2369208"/>
-            <a:ext cx="1254306" cy="5692"/>
+          <a:xfrm rot="16200000" flipV="1">
+            <a:off x="5266885" y="1822346"/>
+            <a:ext cx="130847" cy="1150260"/>
           </a:xfrm>
           <a:prstGeom prst="bentConnector3">
-            <a:avLst/>
+            <a:avLst>
+              <a:gd name="adj1" fmla="val 50000"/>
+            </a:avLst>
           </a:prstGeom>
           <a:ln w="12700">
             <a:solidFill>
@@ -2070,16 +1948,21 @@
       <p:cxnSp>
         <p:nvCxnSpPr>
           <p:cNvPr id="81" name="Conector angular 80"/>
-          <p:cNvCxnSpPr/>
+          <p:cNvCxnSpPr>
+            <a:stCxn id="27" idx="2"/>
+            <a:endCxn id="44" idx="0"/>
+          </p:cNvCxnSpPr>
           <p:nvPr/>
         </p:nvCxnSpPr>
         <p:spPr>
           <a:xfrm rot="5400000">
-            <a:off x="2863568" y="550065"/>
-            <a:ext cx="72000" cy="3708000"/>
+            <a:off x="2796163" y="505507"/>
+            <a:ext cx="134471" cy="3787560"/>
           </a:xfrm>
           <a:prstGeom prst="bentConnector3">
-            <a:avLst/>
+            <a:avLst>
+              <a:gd name="adj1" fmla="val 50000"/>
+            </a:avLst>
           </a:prstGeom>
           <a:ln w="12700">
             <a:solidFill>
@@ -2105,16 +1988,21 @@
       <p:cxnSp>
         <p:nvCxnSpPr>
           <p:cNvPr id="83" name="Conector angular 82"/>
-          <p:cNvCxnSpPr/>
+          <p:cNvCxnSpPr>
+            <a:stCxn id="27" idx="2"/>
+            <a:endCxn id="48" idx="0"/>
+          </p:cNvCxnSpPr>
           <p:nvPr/>
         </p:nvCxnSpPr>
         <p:spPr>
           <a:xfrm rot="5400000">
-            <a:off x="3563150" y="1251620"/>
-            <a:ext cx="72000" cy="2304000"/>
+            <a:off x="3663001" y="1372345"/>
+            <a:ext cx="134471" cy="2053884"/>
           </a:xfrm>
           <a:prstGeom prst="bentConnector3">
-            <a:avLst/>
+            <a:avLst>
+              <a:gd name="adj1" fmla="val 50000"/>
+            </a:avLst>
           </a:prstGeom>
           <a:ln w="12700">
             <a:solidFill>
@@ -2145,7 +2033,7 @@
         </p:nvSpPr>
         <p:spPr>
           <a:xfrm>
-            <a:off x="4042921" y="868650"/>
+            <a:off x="4056256" y="883890"/>
             <a:ext cx="1394243" cy="276999"/>
           </a:xfrm>
           <a:prstGeom prst="rect">
@@ -2161,26 +2049,30 @@
           <a:p>
             <a:pPr algn="ctr"/>
             <a:r>
-              <a:rPr lang="es-ES" sz="1200" dirty="0" smtClean="0"/>
+              <a:rPr lang="es-ES" sz="1200" dirty="0"/>
               <a:t>se rigen por</a:t>
             </a:r>
-            <a:endParaRPr lang="es-ES" sz="1200" dirty="0"/>
           </a:p>
         </p:txBody>
       </p:sp>
       <p:cxnSp>
         <p:nvCxnSpPr>
           <p:cNvPr id="93" name="Conector angular 92"/>
-          <p:cNvCxnSpPr/>
+          <p:cNvCxnSpPr>
+            <a:stCxn id="48" idx="2"/>
+            <a:endCxn id="97" idx="0"/>
+          </p:cNvCxnSpPr>
           <p:nvPr/>
         </p:nvCxnSpPr>
         <p:spPr>
-          <a:xfrm rot="5400000">
-            <a:off x="2339504" y="3156443"/>
-            <a:ext cx="153462" cy="1"/>
+          <a:xfrm rot="16200000" flipH="1">
+            <a:off x="2627666" y="3147396"/>
+            <a:ext cx="151621" cy="364"/>
           </a:xfrm>
           <a:prstGeom prst="bentConnector3">
-            <a:avLst/>
+            <a:avLst>
+              <a:gd name="adj1" fmla="val 50000"/>
+            </a:avLst>
           </a:prstGeom>
           <a:ln w="12700">
             <a:solidFill>
@@ -2206,13 +2098,16 @@
       <p:cxnSp>
         <p:nvCxnSpPr>
           <p:cNvPr id="94" name="Conector angular 93"/>
-          <p:cNvCxnSpPr/>
+          <p:cNvCxnSpPr>
+            <a:stCxn id="49" idx="2"/>
+            <a:endCxn id="98" idx="0"/>
+          </p:cNvCxnSpPr>
           <p:nvPr/>
         </p:nvCxnSpPr>
         <p:spPr>
           <a:xfrm rot="5400000">
-            <a:off x="4296834" y="3166150"/>
-            <a:ext cx="153462" cy="1"/>
+            <a:off x="4407345" y="3148692"/>
+            <a:ext cx="154446" cy="771"/>
           </a:xfrm>
           <a:prstGeom prst="bentConnector3">
             <a:avLst/>
@@ -2241,17 +2136,20 @@
       <p:cxnSp>
         <p:nvCxnSpPr>
           <p:cNvPr id="95" name="Conector angular 94"/>
-          <p:cNvCxnSpPr/>
+          <p:cNvCxnSpPr>
+            <a:stCxn id="50" idx="2"/>
+            <a:endCxn id="99" idx="0"/>
+          </p:cNvCxnSpPr>
           <p:nvPr/>
         </p:nvCxnSpPr>
         <p:spPr>
           <a:xfrm rot="5400000">
-            <a:off x="7091489" y="3128206"/>
-            <a:ext cx="153462" cy="1"/>
+            <a:off x="7135526" y="3144519"/>
+            <a:ext cx="145893" cy="390"/>
           </a:xfrm>
           <a:prstGeom prst="bentConnector3">
             <a:avLst>
-              <a:gd name="adj1" fmla="val 49999"/>
+              <a:gd name="adj1" fmla="val 50000"/>
             </a:avLst>
           </a:prstGeom>
           <a:ln w="12700">
@@ -2278,13 +2176,16 @@
       <p:cxnSp>
         <p:nvCxnSpPr>
           <p:cNvPr id="96" name="Conector angular 95"/>
-          <p:cNvCxnSpPr/>
+          <p:cNvCxnSpPr>
+            <a:stCxn id="60" idx="2"/>
+            <a:endCxn id="100" idx="0"/>
+          </p:cNvCxnSpPr>
           <p:nvPr/>
         </p:nvCxnSpPr>
         <p:spPr>
-          <a:xfrm rot="5400000">
-            <a:off x="8272810" y="3162887"/>
-            <a:ext cx="153462" cy="1"/>
+          <a:xfrm rot="16200000" flipH="1">
+            <a:off x="8418550" y="3143161"/>
+            <a:ext cx="141401" cy="36"/>
           </a:xfrm>
           <a:prstGeom prst="bentConnector3">
             <a:avLst/>
@@ -2318,8 +2219,8 @@
         </p:nvSpPr>
         <p:spPr>
           <a:xfrm>
-            <a:off x="1692501" y="3213880"/>
-            <a:ext cx="1381360" cy="276999"/>
+            <a:off x="1996736" y="3223389"/>
+            <a:ext cx="1413843" cy="236906"/>
           </a:xfrm>
           <a:prstGeom prst="rect">
             <a:avLst/>
@@ -2335,13 +2236,8 @@
             <a:pPr algn="ctr"/>
             <a:r>
               <a:rPr lang="es-ES" sz="1200" dirty="0"/>
-              <a:t>u</a:t>
-            </a:r>
-            <a:r>
-              <a:rPr lang="es-ES" sz="1200" dirty="0" smtClean="0"/>
-              <a:t>nidad de medida</a:t>
-            </a:r>
-            <a:endParaRPr lang="es-ES" sz="1200" dirty="0"/>
+              <a:t>unidad de medida</a:t>
+            </a:r>
           </a:p>
         </p:txBody>
       </p:sp>
@@ -2353,8 +2249,8 @@
         </p:nvSpPr>
         <p:spPr>
           <a:xfrm>
-            <a:off x="3677840" y="3207343"/>
-            <a:ext cx="1394243" cy="276999"/>
+            <a:off x="3787060" y="3226300"/>
+            <a:ext cx="1394243" cy="228925"/>
           </a:xfrm>
           <a:prstGeom prst="rect">
             <a:avLst/>
@@ -2370,13 +2266,8 @@
             <a:pPr algn="ctr"/>
             <a:r>
               <a:rPr lang="es-ES" sz="1200" dirty="0"/>
-              <a:t>u</a:t>
-            </a:r>
-            <a:r>
-              <a:rPr lang="es-ES" sz="1200" dirty="0" smtClean="0"/>
-              <a:t>nidad de medida</a:t>
-            </a:r>
-            <a:endParaRPr lang="es-ES" sz="1200" dirty="0"/>
+              <a:t>unidad de medida</a:t>
+            </a:r>
           </a:p>
         </p:txBody>
       </p:sp>
@@ -2388,8 +2279,8 @@
         </p:nvSpPr>
         <p:spPr>
           <a:xfrm>
-            <a:off x="6440543" y="3188299"/>
-            <a:ext cx="1394243" cy="276999"/>
+            <a:off x="6511155" y="3217661"/>
+            <a:ext cx="1394243" cy="208114"/>
           </a:xfrm>
           <a:prstGeom prst="rect">
             <a:avLst/>
@@ -2405,13 +2296,8 @@
             <a:pPr algn="ctr"/>
             <a:r>
               <a:rPr lang="es-ES" sz="1200" dirty="0"/>
-              <a:t>u</a:t>
-            </a:r>
-            <a:r>
-              <a:rPr lang="es-ES" sz="1200" dirty="0" smtClean="0"/>
-              <a:t>nidad de medida</a:t>
-            </a:r>
-            <a:endParaRPr lang="es-ES" sz="1200" dirty="0"/>
+              <a:t>unidad de medida</a:t>
+            </a:r>
           </a:p>
         </p:txBody>
       </p:sp>
@@ -2423,7 +2309,7 @@
         </p:nvSpPr>
         <p:spPr>
           <a:xfrm>
-            <a:off x="7617476" y="3213880"/>
+            <a:off x="7792146" y="3213880"/>
             <a:ext cx="1394243" cy="276999"/>
           </a:xfrm>
           <a:prstGeom prst="rect">
@@ -2440,26 +2326,24 @@
             <a:pPr algn="ctr"/>
             <a:r>
               <a:rPr lang="es-ES" sz="1200" dirty="0"/>
-              <a:t>u</a:t>
-            </a:r>
-            <a:r>
-              <a:rPr lang="es-ES" sz="1200" dirty="0" smtClean="0"/>
-              <a:t>nidad de medida</a:t>
-            </a:r>
-            <a:endParaRPr lang="es-ES" sz="1200" dirty="0"/>
+              <a:t>unidad de medida</a:t>
+            </a:r>
           </a:p>
         </p:txBody>
       </p:sp>
       <p:cxnSp>
         <p:nvCxnSpPr>
           <p:cNvPr id="101" name="Conector angular 100"/>
-          <p:cNvCxnSpPr/>
+          <p:cNvCxnSpPr>
+            <a:stCxn id="100" idx="2"/>
+            <a:endCxn id="108" idx="0"/>
+          </p:cNvCxnSpPr>
           <p:nvPr/>
         </p:nvCxnSpPr>
         <p:spPr>
-          <a:xfrm rot="16200000" flipH="1">
-            <a:off x="8286501" y="3524790"/>
-            <a:ext cx="153462" cy="1"/>
+          <a:xfrm rot="5400000">
+            <a:off x="8423483" y="3556630"/>
+            <a:ext cx="131536" cy="35"/>
           </a:xfrm>
           <a:prstGeom prst="bentConnector3">
             <a:avLst>
@@ -2490,13 +2374,16 @@
       <p:cxnSp>
         <p:nvCxnSpPr>
           <p:cNvPr id="102" name="Conector angular 101"/>
-          <p:cNvCxnSpPr/>
+          <p:cNvCxnSpPr>
+            <a:stCxn id="99" idx="2"/>
+            <a:endCxn id="107" idx="0"/>
+          </p:cNvCxnSpPr>
           <p:nvPr/>
         </p:nvCxnSpPr>
         <p:spPr>
           <a:xfrm rot="16200000" flipH="1">
-            <a:off x="7092484" y="3546457"/>
-            <a:ext cx="153462" cy="1"/>
+            <a:off x="7110024" y="3524027"/>
+            <a:ext cx="196640" cy="135"/>
           </a:xfrm>
           <a:prstGeom prst="bentConnector3">
             <a:avLst>
@@ -2527,13 +2414,16 @@
       <p:cxnSp>
         <p:nvCxnSpPr>
           <p:cNvPr id="103" name="Conector angular 102"/>
-          <p:cNvCxnSpPr/>
+          <p:cNvCxnSpPr>
+            <a:stCxn id="98" idx="2"/>
+            <a:endCxn id="105" idx="0"/>
+          </p:cNvCxnSpPr>
           <p:nvPr/>
         </p:nvCxnSpPr>
         <p:spPr>
-          <a:xfrm rot="16200000" flipH="1">
-            <a:off x="4296833" y="3535588"/>
-            <a:ext cx="153462" cy="1"/>
+          <a:xfrm rot="5400000">
+            <a:off x="4398404" y="3540939"/>
+            <a:ext cx="171492" cy="64"/>
           </a:xfrm>
           <a:prstGeom prst="bentConnector3">
             <a:avLst>
@@ -2564,13 +2454,16 @@
       <p:cxnSp>
         <p:nvCxnSpPr>
           <p:cNvPr id="104" name="Conector angular 103"/>
-          <p:cNvCxnSpPr/>
+          <p:cNvCxnSpPr>
+            <a:stCxn id="97" idx="2"/>
+            <a:endCxn id="106" idx="0"/>
+          </p:cNvCxnSpPr>
           <p:nvPr/>
         </p:nvCxnSpPr>
         <p:spPr>
-          <a:xfrm rot="16200000" flipH="1">
-            <a:off x="2345944" y="3516074"/>
-            <a:ext cx="153462" cy="1"/>
+          <a:xfrm rot="5400000">
+            <a:off x="2621816" y="3540573"/>
+            <a:ext cx="162120" cy="1565"/>
           </a:xfrm>
           <a:prstGeom prst="bentConnector3">
             <a:avLst>
@@ -2606,7 +2499,7 @@
         </p:nvSpPr>
         <p:spPr>
           <a:xfrm>
-            <a:off x="3826179" y="3626717"/>
+            <a:off x="3953179" y="3626717"/>
             <a:ext cx="1061877" cy="605245"/>
           </a:xfrm>
           <a:prstGeom prst="rect">
@@ -2648,21 +2541,8 @@
                   <a:schemeClr val="tx1"/>
                 </a:solidFill>
               </a:rPr>
-              <a:t>m</a:t>
-            </a:r>
-            <a:r>
-              <a:rPr lang="es-ES" sz="1400" dirty="0" smtClean="0">
-                <a:solidFill>
-                  <a:schemeClr val="tx1"/>
-                </a:solidFill>
-              </a:rPr>
-              <a:t>etro cúbico </a:t>
-            </a:r>
-            <a:endParaRPr lang="es-ES" sz="1400" dirty="0">
-              <a:solidFill>
-                <a:schemeClr val="tx1"/>
-              </a:solidFill>
-            </a:endParaRPr>
+              <a:t>metro cúbico </a:t>
+            </a:r>
           </a:p>
         </p:txBody>
       </p:sp>
@@ -2674,8 +2554,8 @@
         </p:nvSpPr>
         <p:spPr>
           <a:xfrm>
-            <a:off x="1884720" y="3622415"/>
-            <a:ext cx="1050904" cy="605245"/>
+            <a:off x="2178222" y="3622415"/>
+            <a:ext cx="1047741" cy="605245"/>
           </a:xfrm>
           <a:prstGeom prst="rect">
             <a:avLst/>
@@ -2716,29 +2596,8 @@
                   <a:schemeClr val="tx1"/>
                 </a:solidFill>
               </a:rPr>
-              <a:t>m</a:t>
-            </a:r>
-            <a:r>
-              <a:rPr lang="es-ES" sz="1400" dirty="0" smtClean="0">
-                <a:solidFill>
-                  <a:schemeClr val="tx1"/>
-                </a:solidFill>
-              </a:rPr>
-              <a:t>etro </a:t>
-            </a:r>
-            <a:r>
-              <a:rPr lang="es-ES" sz="1400" dirty="0" smtClean="0">
-                <a:solidFill>
-                  <a:schemeClr val="tx1"/>
-                </a:solidFill>
-              </a:rPr>
-              <a:t>cuadrado</a:t>
-            </a:r>
-            <a:endParaRPr lang="es-ES" sz="1400" dirty="0">
-              <a:solidFill>
-                <a:schemeClr val="tx1"/>
-              </a:solidFill>
-            </a:endParaRPr>
+              <a:t>metro cuadrado</a:t>
+            </a:r>
           </a:p>
         </p:txBody>
       </p:sp>
@@ -2750,7 +2609,7 @@
         </p:nvSpPr>
         <p:spPr>
           <a:xfrm>
-            <a:off x="6541283" y="3622415"/>
+            <a:off x="6657615" y="3622415"/>
             <a:ext cx="1101593" cy="605245"/>
           </a:xfrm>
           <a:prstGeom prst="rect">
@@ -2792,21 +2651,8 @@
                   <a:schemeClr val="tx1"/>
                 </a:solidFill>
               </a:rPr>
-              <a:t>k</a:t>
-            </a:r>
-            <a:r>
-              <a:rPr lang="es-ES" sz="1400" dirty="0" smtClean="0">
-                <a:solidFill>
-                  <a:schemeClr val="tx1"/>
-                </a:solidFill>
-              </a:rPr>
-              <a:t>ilogramo (kg)</a:t>
-            </a:r>
-            <a:endParaRPr lang="es-ES" sz="1400" dirty="0">
-              <a:solidFill>
-                <a:schemeClr val="tx1"/>
-              </a:solidFill>
-            </a:endParaRPr>
+              <a:t>kilogramo (kg)</a:t>
+            </a:r>
           </a:p>
         </p:txBody>
       </p:sp>
@@ -2818,8 +2664,8 @@
         </p:nvSpPr>
         <p:spPr>
           <a:xfrm>
-            <a:off x="7818914" y="3622415"/>
-            <a:ext cx="1039994" cy="605245"/>
+            <a:off x="7951568" y="3622415"/>
+            <a:ext cx="1075329" cy="605245"/>
           </a:xfrm>
           <a:prstGeom prst="rect">
             <a:avLst/>
@@ -2860,46 +2706,28 @@
                   <a:schemeClr val="tx1"/>
                 </a:solidFill>
               </a:rPr>
-              <a:t>s</a:t>
-            </a:r>
-            <a:r>
-              <a:rPr lang="es-ES" sz="1400" smtClean="0">
-                <a:solidFill>
-                  <a:schemeClr val="tx1"/>
-                </a:solidFill>
-              </a:rPr>
-              <a:t>egundo </a:t>
-            </a:r>
-            <a:r>
-              <a:rPr lang="es-ES" sz="1400" dirty="0" smtClean="0">
-                <a:solidFill>
-                  <a:schemeClr val="tx1"/>
-                </a:solidFill>
-              </a:rPr>
-              <a:t>(s)</a:t>
-            </a:r>
-            <a:endParaRPr lang="es-ES" sz="1400" dirty="0">
-              <a:solidFill>
-                <a:schemeClr val="tx1"/>
-              </a:solidFill>
-            </a:endParaRPr>
+              <a:t>segundo (s)</a:t>
+            </a:r>
           </a:p>
         </p:txBody>
       </p:sp>
       <p:cxnSp>
         <p:nvCxnSpPr>
           <p:cNvPr id="45" name="Conector angular 44"/>
-          <p:cNvCxnSpPr/>
+          <p:cNvCxnSpPr>
+            <a:stCxn id="7" idx="2"/>
+            <a:endCxn id="27" idx="0"/>
+          </p:cNvCxnSpPr>
           <p:nvPr/>
         </p:nvCxnSpPr>
         <p:spPr>
-          <a:xfrm rot="5400000">
-            <a:off x="4666292" y="2061215"/>
-            <a:ext cx="153462" cy="1"/>
+          <a:xfrm rot="16200000" flipH="1">
+            <a:off x="4710645" y="2008519"/>
+            <a:ext cx="89463" cy="3603"/>
           </a:xfrm>
           <a:prstGeom prst="bentConnector3">
             <a:avLst>
-              <a:gd name="adj1" fmla="val 33215"/>
+              <a:gd name="adj1" fmla="val 50000"/>
             </a:avLst>
           </a:prstGeom>
           <a:ln w="12700">
@@ -2926,13 +2754,16 @@
       <p:cxnSp>
         <p:nvCxnSpPr>
           <p:cNvPr id="66" name="Conector angular 65"/>
-          <p:cNvCxnSpPr/>
+          <p:cNvCxnSpPr>
+            <a:stCxn id="75" idx="2"/>
+            <a:endCxn id="73" idx="0"/>
+          </p:cNvCxnSpPr>
           <p:nvPr/>
         </p:nvCxnSpPr>
         <p:spPr>
           <a:xfrm rot="16200000" flipH="1">
-            <a:off x="860645" y="4726900"/>
-            <a:ext cx="179087" cy="4"/>
+            <a:off x="899222" y="4731783"/>
+            <a:ext cx="138829" cy="966"/>
           </a:xfrm>
           <a:prstGeom prst="bentConnector3">
             <a:avLst>
@@ -2963,13 +2794,16 @@
       <p:cxnSp>
         <p:nvCxnSpPr>
           <p:cNvPr id="69" name="Conector angular 68"/>
-          <p:cNvCxnSpPr/>
+          <p:cNvCxnSpPr>
+            <a:stCxn id="73" idx="2"/>
+            <a:endCxn id="133" idx="0"/>
+          </p:cNvCxnSpPr>
           <p:nvPr/>
         </p:nvCxnSpPr>
         <p:spPr>
-          <a:xfrm rot="16200000" flipH="1">
-            <a:off x="873520" y="5505452"/>
-            <a:ext cx="179087" cy="4"/>
+          <a:xfrm rot="5400000">
+            <a:off x="914851" y="5520753"/>
+            <a:ext cx="107570" cy="967"/>
           </a:xfrm>
           <a:prstGeom prst="bentConnector3">
             <a:avLst>
@@ -3000,13 +2834,16 @@
       <p:cxnSp>
         <p:nvCxnSpPr>
           <p:cNvPr id="70" name="Conector angular 69"/>
-          <p:cNvCxnSpPr/>
+          <p:cNvCxnSpPr>
+            <a:stCxn id="133" idx="2"/>
+            <a:endCxn id="74" idx="0"/>
+          </p:cNvCxnSpPr>
           <p:nvPr/>
         </p:nvCxnSpPr>
         <p:spPr>
-          <a:xfrm rot="16200000" flipH="1">
-            <a:off x="873516" y="5928749"/>
-            <a:ext cx="179087" cy="4"/>
+          <a:xfrm rot="5400000">
+            <a:off x="886865" y="5933005"/>
+            <a:ext cx="162272" cy="302"/>
           </a:xfrm>
           <a:prstGeom prst="bentConnector3">
             <a:avLst>
@@ -3037,13 +2874,16 @@
       <p:cxnSp>
         <p:nvCxnSpPr>
           <p:cNvPr id="71" name="Conector angular 70"/>
-          <p:cNvCxnSpPr/>
+          <p:cNvCxnSpPr>
+            <a:stCxn id="106" idx="2"/>
+            <a:endCxn id="77" idx="0"/>
+          </p:cNvCxnSpPr>
           <p:nvPr/>
         </p:nvCxnSpPr>
         <p:spPr>
-          <a:xfrm rot="16200000" flipH="1">
-            <a:off x="2313814" y="4308577"/>
-            <a:ext cx="179087" cy="4"/>
+          <a:xfrm rot="5400000">
+            <a:off x="2620102" y="4305571"/>
+            <a:ext cx="159903" cy="4080"/>
           </a:xfrm>
           <a:prstGeom prst="bentConnector3">
             <a:avLst>
@@ -3079,8 +2919,8 @@
         </p:nvSpPr>
         <p:spPr>
           <a:xfrm>
-            <a:off x="1668470" y="4387563"/>
-            <a:ext cx="1394243" cy="276999"/>
+            <a:off x="2174412" y="4387563"/>
+            <a:ext cx="1047202" cy="276999"/>
           </a:xfrm>
           <a:prstGeom prst="rect">
             <a:avLst/>
@@ -3095,7 +2935,7 @@
           <a:p>
             <a:pPr algn="ctr"/>
             <a:r>
-              <a:rPr lang="es-ES" sz="1200" dirty="0" smtClean="0"/>
+              <a:rPr lang="es-ES" sz="1200" dirty="0"/>
               <a:t>múltiplos </a:t>
             </a:r>
             <a:endParaRPr lang="es-ES" sz="1200" baseline="30000" dirty="0"/>
@@ -3105,17 +2945,20 @@
       <p:cxnSp>
         <p:nvCxnSpPr>
           <p:cNvPr id="85" name="Conector angular 84"/>
-          <p:cNvCxnSpPr/>
+          <p:cNvCxnSpPr>
+            <a:stCxn id="77" idx="2"/>
+            <a:endCxn id="115" idx="0"/>
+          </p:cNvCxnSpPr>
           <p:nvPr/>
         </p:nvCxnSpPr>
         <p:spPr>
           <a:xfrm rot="16200000" flipH="1">
-            <a:off x="2308807" y="4695200"/>
-            <a:ext cx="179087" cy="4"/>
+            <a:off x="2632429" y="4730145"/>
+            <a:ext cx="131415" cy="247"/>
           </a:xfrm>
           <a:prstGeom prst="bentConnector3">
             <a:avLst>
-              <a:gd name="adj1" fmla="val 50001"/>
+              <a:gd name="adj1" fmla="val 50000"/>
             </a:avLst>
           </a:prstGeom>
           <a:ln w="12700">
@@ -3142,13 +2985,16 @@
       <p:cxnSp>
         <p:nvCxnSpPr>
           <p:cNvPr id="87" name="Conector angular 86"/>
-          <p:cNvCxnSpPr/>
+          <p:cNvCxnSpPr>
+            <a:stCxn id="115" idx="2"/>
+            <a:endCxn id="88" idx="0"/>
+          </p:cNvCxnSpPr>
           <p:nvPr/>
         </p:nvCxnSpPr>
         <p:spPr>
-          <a:xfrm rot="16200000" flipH="1">
-            <a:off x="2316596" y="5511627"/>
-            <a:ext cx="179087" cy="4"/>
+          <a:xfrm rot="5400000">
+            <a:off x="2642204" y="5516431"/>
+            <a:ext cx="110741" cy="1372"/>
           </a:xfrm>
           <a:prstGeom prst="bentConnector3">
             <a:avLst>
@@ -3184,7 +3030,7 @@
         </p:nvSpPr>
         <p:spPr>
           <a:xfrm>
-            <a:off x="1707177" y="5572488"/>
+            <a:off x="1987357" y="5572488"/>
             <a:ext cx="1419061" cy="276999"/>
           </a:xfrm>
           <a:prstGeom prst="rect">
@@ -3200,7 +3046,7 @@
           <a:p>
             <a:pPr algn="ctr"/>
             <a:r>
-              <a:rPr lang="es-ES" sz="1200" dirty="0" smtClean="0"/>
+              <a:rPr lang="es-ES" sz="1200" dirty="0"/>
               <a:t>submúltiplos</a:t>
             </a:r>
             <a:endParaRPr lang="es-ES" sz="1200" baseline="30000" dirty="0"/>
@@ -3210,13 +3056,16 @@
       <p:cxnSp>
         <p:nvCxnSpPr>
           <p:cNvPr id="89" name="Conector angular 88"/>
-          <p:cNvCxnSpPr/>
+          <p:cNvCxnSpPr>
+            <a:stCxn id="88" idx="2"/>
+            <a:endCxn id="134" idx="0"/>
+          </p:cNvCxnSpPr>
           <p:nvPr/>
         </p:nvCxnSpPr>
         <p:spPr>
           <a:xfrm rot="16200000" flipH="1">
-            <a:off x="2316592" y="5910871"/>
-            <a:ext cx="179087" cy="4"/>
+            <a:off x="2615686" y="5930689"/>
+            <a:ext cx="163777" cy="1372"/>
           </a:xfrm>
           <a:prstGeom prst="bentConnector3">
             <a:avLst>
@@ -3247,13 +3096,16 @@
       <p:cxnSp>
         <p:nvCxnSpPr>
           <p:cNvPr id="91" name="Conector angular 90"/>
-          <p:cNvCxnSpPr/>
+          <p:cNvCxnSpPr>
+            <a:stCxn id="105" idx="2"/>
+            <a:endCxn id="92" idx="0"/>
+          </p:cNvCxnSpPr>
           <p:nvPr/>
         </p:nvCxnSpPr>
         <p:spPr>
-          <a:xfrm rot="16200000" flipH="1">
-            <a:off x="4284022" y="4328123"/>
-            <a:ext cx="179087" cy="4"/>
+          <a:xfrm rot="5400000">
+            <a:off x="4390242" y="4324736"/>
+            <a:ext cx="186650" cy="1103"/>
           </a:xfrm>
           <a:prstGeom prst="bentConnector3">
             <a:avLst>
@@ -3289,8 +3141,8 @@
         </p:nvSpPr>
         <p:spPr>
           <a:xfrm>
-            <a:off x="3659995" y="4387561"/>
-            <a:ext cx="1394243" cy="276999"/>
+            <a:off x="3785893" y="4418612"/>
+            <a:ext cx="1394243" cy="228925"/>
           </a:xfrm>
           <a:prstGeom prst="rect">
             <a:avLst/>
@@ -3305,7 +3157,7 @@
           <a:p>
             <a:pPr algn="ctr"/>
             <a:r>
-              <a:rPr lang="es-ES" sz="1200" dirty="0" smtClean="0"/>
+              <a:rPr lang="es-ES" sz="1200" dirty="0"/>
               <a:t>múltiplos </a:t>
             </a:r>
             <a:endParaRPr lang="es-ES" sz="1200" baseline="30000" dirty="0"/>
@@ -3315,13 +3167,16 @@
       <p:cxnSp>
         <p:nvCxnSpPr>
           <p:cNvPr id="109" name="Conector angular 108"/>
-          <p:cNvCxnSpPr/>
+          <p:cNvCxnSpPr>
+            <a:stCxn id="92" idx="2"/>
+            <a:endCxn id="110" idx="0"/>
+          </p:cNvCxnSpPr>
           <p:nvPr/>
         </p:nvCxnSpPr>
         <p:spPr>
           <a:xfrm rot="16200000" flipH="1">
-            <a:off x="4280193" y="4749095"/>
-            <a:ext cx="179087" cy="4"/>
+            <a:off x="4407372" y="4723179"/>
+            <a:ext cx="151370" cy="85"/>
           </a:xfrm>
           <a:prstGeom prst="bentConnector3">
             <a:avLst>
@@ -3357,8 +3212,8 @@
         </p:nvSpPr>
         <p:spPr>
           <a:xfrm>
-            <a:off x="3632200" y="4813540"/>
-            <a:ext cx="1574800" cy="605245"/>
+            <a:off x="3695700" y="4798907"/>
+            <a:ext cx="1574800" cy="665770"/>
           </a:xfrm>
           <a:prstGeom prst="rect">
             <a:avLst/>
@@ -3397,25 +3252,9 @@
                   <a:schemeClr val="tx1"/>
                 </a:solidFill>
               </a:rPr>
-              <a:t>k</a:t>
-            </a:r>
-            <a:r>
-              <a:rPr lang="es-ES" sz="1400" dirty="0" smtClean="0">
-                <a:solidFill>
-                  <a:schemeClr val="tx1"/>
-                </a:solidFill>
-              </a:rPr>
-              <a:t>il</a:t>
-            </a:r>
-            <a:r>
-              <a:rPr lang="es-ES" sz="1400" dirty="0" smtClean="0">
-                <a:solidFill>
-                  <a:schemeClr val="tx1"/>
-                </a:solidFill>
-              </a:rPr>
-              <a:t>ómetro cúbico</a:t>
-            </a:r>
-            <a:endParaRPr lang="es-ES" sz="1400" baseline="30000" dirty="0" smtClean="0">
+              <a:t>kilómetro cúbico</a:t>
+            </a:r>
+            <a:endParaRPr lang="es-ES" sz="1400" baseline="30000" dirty="0">
               <a:solidFill>
                 <a:schemeClr val="tx1"/>
               </a:solidFill>
@@ -3429,47 +3268,7 @@
                   <a:schemeClr val="tx1"/>
                 </a:solidFill>
               </a:rPr>
-              <a:t>h</a:t>
-            </a:r>
-            <a:r>
-              <a:rPr lang="es-ES" sz="1400" dirty="0" smtClean="0">
-                <a:solidFill>
-                  <a:schemeClr val="tx1"/>
-                </a:solidFill>
-              </a:rPr>
-              <a:t>ect</a:t>
-            </a:r>
-            <a:r>
-              <a:rPr lang="es-ES" sz="1400" dirty="0" smtClean="0">
-                <a:solidFill>
-                  <a:schemeClr val="tx1"/>
-                </a:solidFill>
-              </a:rPr>
-              <a:t>ómetro cúbico</a:t>
-            </a:r>
-            <a:endParaRPr lang="es-ES" sz="1400" baseline="30000" dirty="0" smtClean="0">
-              <a:solidFill>
-                <a:schemeClr val="tx1"/>
-              </a:solidFill>
-            </a:endParaRPr>
-          </a:p>
-          <a:p>
-            <a:pPr algn="ctr"/>
-            <a:r>
-              <a:rPr lang="es-ES" sz="1400" dirty="0" smtClean="0">
-                <a:solidFill>
-                  <a:schemeClr val="tx1"/>
-                </a:solidFill>
-              </a:rPr>
-              <a:t>dec</a:t>
-            </a:r>
-            <a:r>
-              <a:rPr lang="es-ES" sz="1400" dirty="0" smtClean="0">
-                <a:solidFill>
-                  <a:schemeClr val="tx1"/>
-                </a:solidFill>
-              </a:rPr>
-              <a:t>ámetro cúbico</a:t>
+              <a:t>hectómetro cúbico</a:t>
             </a:r>
             <a:endParaRPr lang="es-ES" sz="1400" baseline="30000" dirty="0">
               <a:solidFill>
@@ -3477,18 +3276,37 @@
               </a:solidFill>
             </a:endParaRPr>
           </a:p>
+          <a:p>
+            <a:pPr algn="ctr"/>
+            <a:r>
+              <a:rPr lang="es-ES" sz="1400" dirty="0">
+                <a:solidFill>
+                  <a:schemeClr val="tx1"/>
+                </a:solidFill>
+              </a:rPr>
+              <a:t>decámetro cúbico</a:t>
+            </a:r>
+            <a:endParaRPr lang="es-ES" sz="1400" baseline="30000" dirty="0">
+              <a:solidFill>
+                <a:schemeClr val="tx1"/>
+              </a:solidFill>
+            </a:endParaRPr>
+          </a:p>
         </p:txBody>
       </p:sp>
       <p:cxnSp>
         <p:nvCxnSpPr>
           <p:cNvPr id="111" name="Conector angular 110"/>
-          <p:cNvCxnSpPr/>
+          <p:cNvCxnSpPr>
+            <a:stCxn id="110" idx="2"/>
+            <a:endCxn id="112" idx="0"/>
+          </p:cNvCxnSpPr>
           <p:nvPr/>
         </p:nvCxnSpPr>
         <p:spPr>
-          <a:xfrm rot="16200000" flipH="1">
-            <a:off x="4284022" y="5523338"/>
-            <a:ext cx="179087" cy="4"/>
+          <a:xfrm rot="5400000">
+            <a:off x="4433064" y="5514613"/>
+            <a:ext cx="99973" cy="100"/>
           </a:xfrm>
           <a:prstGeom prst="bentConnector3">
             <a:avLst>
@@ -3524,8 +3342,8 @@
         </p:nvSpPr>
         <p:spPr>
           <a:xfrm>
-            <a:off x="3631229" y="5564650"/>
-            <a:ext cx="1419061" cy="276999"/>
+            <a:off x="3949919" y="5564650"/>
+            <a:ext cx="1066161" cy="276999"/>
           </a:xfrm>
           <a:prstGeom prst="rect">
             <a:avLst/>
@@ -3540,7 +3358,7 @@
           <a:p>
             <a:pPr algn="ctr"/>
             <a:r>
-              <a:rPr lang="es-ES" sz="1200" dirty="0" smtClean="0"/>
+              <a:rPr lang="es-ES" sz="1200" dirty="0"/>
               <a:t>submúltiplos</a:t>
             </a:r>
             <a:endParaRPr lang="es-ES" sz="1200" baseline="30000" dirty="0"/>
@@ -3550,13 +3368,16 @@
       <p:cxnSp>
         <p:nvCxnSpPr>
           <p:cNvPr id="113" name="Conector angular 112"/>
-          <p:cNvCxnSpPr/>
+          <p:cNvCxnSpPr>
+            <a:stCxn id="112" idx="2"/>
+            <a:endCxn id="114" idx="0"/>
+          </p:cNvCxnSpPr>
           <p:nvPr/>
         </p:nvCxnSpPr>
         <p:spPr>
           <a:xfrm rot="16200000" flipH="1">
-            <a:off x="4276027" y="5928749"/>
-            <a:ext cx="179087" cy="4"/>
+            <a:off x="4403593" y="5921056"/>
+            <a:ext cx="158915" cy="100"/>
           </a:xfrm>
           <a:prstGeom prst="bentConnector3">
             <a:avLst>
@@ -3592,8 +3413,8 @@
         </p:nvSpPr>
         <p:spPr>
           <a:xfrm>
-            <a:off x="3683000" y="5991752"/>
-            <a:ext cx="1600200" cy="605245"/>
+            <a:off x="3683000" y="6000564"/>
+            <a:ext cx="1600200" cy="665770"/>
           </a:xfrm>
           <a:prstGeom prst="rect">
             <a:avLst/>
@@ -3632,25 +3453,9 @@
                   <a:schemeClr val="tx1"/>
                 </a:solidFill>
               </a:rPr>
-              <a:t>d</a:t>
-            </a:r>
-            <a:r>
-              <a:rPr lang="es-ES" sz="1400" dirty="0" smtClean="0">
-                <a:solidFill>
-                  <a:schemeClr val="tx1"/>
-                </a:solidFill>
-              </a:rPr>
-              <a:t>ec</a:t>
-            </a:r>
-            <a:r>
-              <a:rPr lang="es-ES" sz="1400" dirty="0" smtClean="0">
-                <a:solidFill>
-                  <a:schemeClr val="tx1"/>
-                </a:solidFill>
-              </a:rPr>
-              <a:t>ímetro cúbico</a:t>
-            </a:r>
-            <a:endParaRPr lang="es-ES" sz="1400" baseline="30000" dirty="0" smtClean="0">
+              <a:t>decímetro cúbico</a:t>
+            </a:r>
+            <a:endParaRPr lang="es-ES" sz="1400" baseline="30000" dirty="0">
               <a:solidFill>
                 <a:schemeClr val="tx1"/>
               </a:solidFill>
@@ -3664,25 +3469,9 @@
                   <a:schemeClr val="tx1"/>
                 </a:solidFill>
               </a:rPr>
-              <a:t>c</a:t>
-            </a:r>
-            <a:r>
-              <a:rPr lang="es-ES" sz="1400" dirty="0" smtClean="0">
-                <a:solidFill>
-                  <a:schemeClr val="tx1"/>
-                </a:solidFill>
-              </a:rPr>
-              <a:t>ent</a:t>
-            </a:r>
-            <a:r>
-              <a:rPr lang="es-ES" sz="1400" dirty="0" smtClean="0">
-                <a:solidFill>
-                  <a:schemeClr val="tx1"/>
-                </a:solidFill>
-              </a:rPr>
-              <a:t>ímetro cúbico</a:t>
-            </a:r>
-            <a:endParaRPr lang="es-ES" sz="1400" baseline="30000" dirty="0" smtClean="0">
+              <a:t>centímetro cúbico</a:t>
+            </a:r>
+            <a:endParaRPr lang="es-ES" sz="1400" baseline="30000" dirty="0">
               <a:solidFill>
                 <a:schemeClr val="tx1"/>
               </a:solidFill>
@@ -3696,23 +3485,7 @@
                   <a:schemeClr val="tx1"/>
                 </a:solidFill>
               </a:rPr>
-              <a:t>m</a:t>
-            </a:r>
-            <a:r>
-              <a:rPr lang="es-ES" sz="1400" dirty="0" smtClean="0">
-                <a:solidFill>
-                  <a:schemeClr val="tx1"/>
-                </a:solidFill>
-              </a:rPr>
-              <a:t>il</a:t>
-            </a:r>
-            <a:r>
-              <a:rPr lang="es-ES" sz="1400" dirty="0" smtClean="0">
-                <a:solidFill>
-                  <a:schemeClr val="tx1"/>
-                </a:solidFill>
-              </a:rPr>
-              <a:t>ímetro cúbico</a:t>
+              <a:t>milímetro cúbico</a:t>
             </a:r>
             <a:endParaRPr lang="es-ES" sz="1400" baseline="30000" dirty="0">
               <a:solidFill>
@@ -3730,7 +3503,7 @@
         </p:nvSpPr>
         <p:spPr>
           <a:xfrm>
-            <a:off x="5431400" y="2476615"/>
+            <a:off x="5381870" y="2462899"/>
             <a:ext cx="1051136" cy="605245"/>
           </a:xfrm>
           <a:prstGeom prst="rect">
@@ -3767,31 +3540,29 @@
           <a:p>
             <a:pPr algn="ctr"/>
             <a:r>
-              <a:rPr lang="es-ES" sz="1400" dirty="0" smtClean="0">
+              <a:rPr lang="es-ES" sz="1400" dirty="0">
                 <a:solidFill>
                   <a:schemeClr val="bg1"/>
                 </a:solidFill>
               </a:rPr>
               <a:t>Capacidad</a:t>
             </a:r>
-            <a:endParaRPr lang="es-ES" sz="1400" dirty="0">
-              <a:solidFill>
-                <a:schemeClr val="bg1"/>
-              </a:solidFill>
-            </a:endParaRPr>
           </a:p>
         </p:txBody>
       </p:sp>
       <p:cxnSp>
         <p:nvCxnSpPr>
           <p:cNvPr id="117" name="Conector angular 116"/>
-          <p:cNvCxnSpPr/>
+          <p:cNvCxnSpPr>
+            <a:stCxn id="116" idx="2"/>
+            <a:endCxn id="118" idx="0"/>
+          </p:cNvCxnSpPr>
           <p:nvPr/>
         </p:nvCxnSpPr>
         <p:spPr>
-          <a:xfrm rot="5400000">
-            <a:off x="5912927" y="3162887"/>
-            <a:ext cx="153462" cy="1"/>
+          <a:xfrm rot="16200000" flipH="1">
+            <a:off x="5834750" y="3140832"/>
+            <a:ext cx="146763" cy="1386"/>
           </a:xfrm>
           <a:prstGeom prst="bentConnector3">
             <a:avLst/>
@@ -3825,8 +3596,8 @@
         </p:nvSpPr>
         <p:spPr>
           <a:xfrm>
-            <a:off x="5228847" y="3228970"/>
-            <a:ext cx="1394243" cy="276999"/>
+            <a:off x="5211702" y="3214907"/>
+            <a:ext cx="1394243" cy="228925"/>
           </a:xfrm>
           <a:prstGeom prst="rect">
             <a:avLst/>
@@ -3842,13 +3613,8 @@
             <a:pPr algn="ctr"/>
             <a:r>
               <a:rPr lang="es-ES" sz="1200" dirty="0"/>
-              <a:t>u</a:t>
-            </a:r>
-            <a:r>
-              <a:rPr lang="es-ES" sz="1200" dirty="0" smtClean="0"/>
-              <a:t>nidad de medida</a:t>
-            </a:r>
-            <a:endParaRPr lang="es-ES" sz="1200" dirty="0"/>
+              <a:t>unidad de medida</a:t>
+            </a:r>
           </a:p>
         </p:txBody>
       </p:sp>
@@ -3902,34 +3668,24 @@
                   <a:schemeClr val="tx1"/>
                 </a:solidFill>
               </a:rPr>
-              <a:t>l</a:t>
-            </a:r>
-            <a:r>
-              <a:rPr lang="es-ES" sz="1400" dirty="0" smtClean="0">
-                <a:solidFill>
-                  <a:schemeClr val="tx1"/>
-                </a:solidFill>
-              </a:rPr>
-              <a:t>itro (l)</a:t>
-            </a:r>
-            <a:endParaRPr lang="es-ES" sz="1400" dirty="0">
-              <a:solidFill>
-                <a:schemeClr val="tx1"/>
-              </a:solidFill>
-            </a:endParaRPr>
+              <a:t>litro (l)</a:t>
+            </a:r>
           </a:p>
         </p:txBody>
       </p:sp>
       <p:cxnSp>
         <p:nvCxnSpPr>
           <p:cNvPr id="120" name="Conector angular 119"/>
-          <p:cNvCxnSpPr/>
+          <p:cNvCxnSpPr>
+            <a:stCxn id="118" idx="2"/>
+            <a:endCxn id="119" idx="0"/>
+          </p:cNvCxnSpPr>
           <p:nvPr/>
         </p:nvCxnSpPr>
         <p:spPr>
-          <a:xfrm rot="16200000" flipH="1">
-            <a:off x="5900920" y="3546457"/>
-            <a:ext cx="153462" cy="1"/>
+          <a:xfrm rot="5400000">
+            <a:off x="5818372" y="3534016"/>
+            <a:ext cx="180636" cy="268"/>
           </a:xfrm>
           <a:prstGeom prst="bentConnector3">
             <a:avLst>
@@ -3965,8 +3721,8 @@
         </p:nvSpPr>
         <p:spPr>
           <a:xfrm>
-            <a:off x="5261320" y="4400763"/>
-            <a:ext cx="1394243" cy="276999"/>
+            <a:off x="5515404" y="4400763"/>
+            <a:ext cx="787014" cy="276999"/>
           </a:xfrm>
           <a:prstGeom prst="rect">
             <a:avLst/>
@@ -3981,7 +3737,7 @@
           <a:p>
             <a:pPr algn="ctr"/>
             <a:r>
-              <a:rPr lang="es-ES" sz="1200" dirty="0" smtClean="0"/>
+              <a:rPr lang="es-ES" sz="1200" dirty="0"/>
               <a:t>múltiplos</a:t>
             </a:r>
             <a:endParaRPr lang="es-ES" sz="1200" baseline="30000" dirty="0"/>
@@ -3996,8 +3752,8 @@
         </p:nvSpPr>
         <p:spPr>
           <a:xfrm>
-            <a:off x="5354988" y="4812144"/>
-            <a:ext cx="1124407" cy="605245"/>
+            <a:off x="5347368" y="4789696"/>
+            <a:ext cx="1124407" cy="665770"/>
           </a:xfrm>
           <a:prstGeom prst="rect">
             <a:avLst/>
@@ -4031,14 +3787,14 @@
           <a:p>
             <a:pPr algn="ctr"/>
             <a:r>
-              <a:rPr lang="es-ES" sz="1200" dirty="0" smtClean="0">
+              <a:rPr lang="es-ES" sz="1200" dirty="0">
                 <a:solidFill>
                   <a:schemeClr val="tx1"/>
                 </a:solidFill>
               </a:rPr>
               <a:t>kilolitro (kl)</a:t>
             </a:r>
-            <a:endParaRPr lang="es-ES" sz="1200" baseline="30000" dirty="0" smtClean="0">
+            <a:endParaRPr lang="es-ES" sz="1200" baseline="30000" dirty="0">
               <a:solidFill>
                 <a:schemeClr val="tx1"/>
               </a:solidFill>
@@ -4047,14 +3803,14 @@
           <a:p>
             <a:pPr algn="ctr"/>
             <a:r>
-              <a:rPr lang="es-ES" sz="1200" dirty="0" smtClean="0">
+              <a:rPr lang="es-ES" sz="1200" dirty="0">
                 <a:solidFill>
                   <a:schemeClr val="tx1"/>
                 </a:solidFill>
               </a:rPr>
               <a:t>hectolitro (hl)</a:t>
             </a:r>
-            <a:endParaRPr lang="es-ES" sz="1200" baseline="30000" dirty="0" smtClean="0">
+            <a:endParaRPr lang="es-ES" sz="1200" baseline="30000" dirty="0">
               <a:solidFill>
                 <a:schemeClr val="tx1"/>
               </a:solidFill>
@@ -4063,7 +3819,7 @@
           <a:p>
             <a:pPr algn="ctr"/>
             <a:r>
-              <a:rPr lang="es-ES" sz="1200" dirty="0" smtClean="0">
+              <a:rPr lang="es-ES" sz="1200" dirty="0">
                 <a:solidFill>
                   <a:schemeClr val="tx1"/>
                 </a:solidFill>
@@ -4071,7 +3827,7 @@
               <a:t>decalitro (</a:t>
             </a:r>
             <a:r>
-              <a:rPr lang="es-ES" sz="1200" dirty="0" err="1" smtClean="0">
+              <a:rPr lang="es-ES" sz="1200" dirty="0" err="1">
                 <a:solidFill>
                   <a:schemeClr val="tx1"/>
                 </a:solidFill>
@@ -4079,7 +3835,7 @@
               <a:t>dal</a:t>
             </a:r>
             <a:r>
-              <a:rPr lang="es-ES" sz="1200" dirty="0" smtClean="0">
+              <a:rPr lang="es-ES" sz="1200" dirty="0">
                 <a:solidFill>
                   <a:schemeClr val="tx1"/>
                 </a:solidFill>
@@ -4097,13 +3853,16 @@
       <p:cxnSp>
         <p:nvCxnSpPr>
           <p:cNvPr id="123" name="Conector angular 122"/>
-          <p:cNvCxnSpPr/>
+          <p:cNvCxnSpPr>
+            <a:stCxn id="122" idx="2"/>
+            <a:endCxn id="126" idx="0"/>
+          </p:cNvCxnSpPr>
           <p:nvPr/>
         </p:nvCxnSpPr>
         <p:spPr>
           <a:xfrm rot="16200000" flipH="1">
-            <a:off x="5912623" y="5511437"/>
-            <a:ext cx="179087" cy="4"/>
+            <a:off x="5850460" y="5514577"/>
+            <a:ext cx="119555" cy="1331"/>
           </a:xfrm>
           <a:prstGeom prst="bentConnector3">
             <a:avLst>
@@ -4134,13 +3893,16 @@
       <p:cxnSp>
         <p:nvCxnSpPr>
           <p:cNvPr id="124" name="Conector angular 123"/>
-          <p:cNvCxnSpPr/>
+          <p:cNvCxnSpPr>
+            <a:stCxn id="119" idx="2"/>
+            <a:endCxn id="121" idx="0"/>
+          </p:cNvCxnSpPr>
           <p:nvPr/>
         </p:nvCxnSpPr>
         <p:spPr>
           <a:xfrm rot="16200000" flipH="1">
-            <a:off x="5899919" y="4301318"/>
-            <a:ext cx="179087" cy="4"/>
+            <a:off x="5823208" y="4315060"/>
+            <a:ext cx="171050" cy="355"/>
           </a:xfrm>
           <a:prstGeom prst="bentConnector3">
             <a:avLst>
@@ -4171,17 +3933,20 @@
       <p:cxnSp>
         <p:nvCxnSpPr>
           <p:cNvPr id="125" name="Conector angular 124"/>
-          <p:cNvCxnSpPr/>
+          <p:cNvCxnSpPr>
+            <a:stCxn id="121" idx="2"/>
+            <a:endCxn id="122" idx="0"/>
+          </p:cNvCxnSpPr>
           <p:nvPr/>
         </p:nvCxnSpPr>
         <p:spPr>
           <a:xfrm rot="16200000" flipH="1">
-            <a:off x="5913312" y="4729276"/>
-            <a:ext cx="179087" cy="4"/>
+            <a:off x="5853274" y="4733398"/>
+            <a:ext cx="111934" cy="661"/>
           </a:xfrm>
           <a:prstGeom prst="bentConnector3">
             <a:avLst>
-              <a:gd name="adj1" fmla="val 21235"/>
+              <a:gd name="adj1" fmla="val 50000"/>
             </a:avLst>
           </a:prstGeom>
           <a:ln w="12700">
@@ -4213,8 +3978,8 @@
         </p:nvSpPr>
         <p:spPr>
           <a:xfrm>
-            <a:off x="5233757" y="5575021"/>
-            <a:ext cx="1419061" cy="276999"/>
+            <a:off x="5377822" y="5575021"/>
+            <a:ext cx="1066161" cy="276999"/>
           </a:xfrm>
           <a:prstGeom prst="rect">
             <a:avLst/>
@@ -4229,7 +3994,7 @@
           <a:p>
             <a:pPr algn="ctr"/>
             <a:r>
-              <a:rPr lang="es-ES" sz="1200" dirty="0" smtClean="0"/>
+              <a:rPr lang="es-ES" sz="1200" dirty="0"/>
               <a:t>submúltiplos</a:t>
             </a:r>
             <a:endParaRPr lang="es-ES" sz="1200" baseline="30000" dirty="0"/>
@@ -4239,13 +4004,16 @@
       <p:cxnSp>
         <p:nvCxnSpPr>
           <p:cNvPr id="127" name="Conector angular 126"/>
-          <p:cNvCxnSpPr/>
+          <p:cNvCxnSpPr>
+            <a:stCxn id="126" idx="2"/>
+            <a:endCxn id="128" idx="0"/>
+          </p:cNvCxnSpPr>
           <p:nvPr/>
         </p:nvCxnSpPr>
         <p:spPr>
           <a:xfrm rot="16200000" flipH="1">
-            <a:off x="5890618" y="5901026"/>
-            <a:ext cx="179087" cy="4"/>
+            <a:off x="5839990" y="5922933"/>
+            <a:ext cx="144777" cy="2950"/>
           </a:xfrm>
           <a:prstGeom prst="bentConnector3">
             <a:avLst>
@@ -4281,8 +4049,8 @@
         </p:nvSpPr>
         <p:spPr>
           <a:xfrm>
-            <a:off x="5431400" y="5987985"/>
-            <a:ext cx="1029675" cy="605245"/>
+            <a:off x="5399015" y="5996797"/>
+            <a:ext cx="1029675" cy="665770"/>
           </a:xfrm>
           <a:prstGeom prst="rect">
             <a:avLst/>
@@ -4316,14 +4084,14 @@
           <a:p>
             <a:pPr algn="ctr"/>
             <a:r>
-              <a:rPr lang="es-ES" sz="1200" dirty="0" smtClean="0">
+              <a:rPr lang="es-ES" sz="1200" dirty="0">
                 <a:solidFill>
                   <a:schemeClr val="tx1"/>
                 </a:solidFill>
               </a:rPr>
               <a:t>decilitro (dl)</a:t>
             </a:r>
-            <a:endParaRPr lang="es-ES" sz="1200" baseline="30000" dirty="0" smtClean="0">
+            <a:endParaRPr lang="es-ES" sz="1200" baseline="30000" dirty="0">
               <a:solidFill>
                 <a:schemeClr val="tx1"/>
               </a:solidFill>
@@ -4332,7 +4100,7 @@
           <a:p>
             <a:pPr algn="ctr"/>
             <a:r>
-              <a:rPr lang="es-ES" sz="1200" dirty="0" smtClean="0">
+              <a:rPr lang="es-ES" sz="1200" dirty="0">
                 <a:solidFill>
                   <a:schemeClr val="tx1"/>
                 </a:solidFill>
@@ -4355,8 +4123,8 @@
         </p:nvSpPr>
         <p:spPr>
           <a:xfrm>
-            <a:off x="6417283" y="4403429"/>
-            <a:ext cx="1419061" cy="276999"/>
+            <a:off x="6677045" y="4403429"/>
+            <a:ext cx="1066161" cy="276999"/>
           </a:xfrm>
           <a:prstGeom prst="rect">
             <a:avLst/>
@@ -4371,7 +4139,7 @@
           <a:p>
             <a:pPr algn="ctr"/>
             <a:r>
-              <a:rPr lang="es-ES" sz="1200" dirty="0" smtClean="0"/>
+              <a:rPr lang="es-ES" sz="1200" dirty="0"/>
               <a:t>submúltiplos</a:t>
             </a:r>
             <a:endParaRPr lang="es-ES" sz="1200" baseline="30000" dirty="0"/>
@@ -4381,13 +4149,16 @@
       <p:cxnSp>
         <p:nvCxnSpPr>
           <p:cNvPr id="130" name="Conector angular 129"/>
-          <p:cNvCxnSpPr/>
+          <p:cNvCxnSpPr>
+            <a:stCxn id="107" idx="2"/>
+            <a:endCxn id="129" idx="0"/>
+          </p:cNvCxnSpPr>
           <p:nvPr/>
         </p:nvCxnSpPr>
         <p:spPr>
           <a:xfrm rot="16200000" flipH="1">
-            <a:off x="7086351" y="4287471"/>
-            <a:ext cx="179087" cy="4"/>
+            <a:off x="7121385" y="4314687"/>
+            <a:ext cx="175769" cy="1714"/>
           </a:xfrm>
           <a:prstGeom prst="bentConnector3">
             <a:avLst>
@@ -4418,17 +4189,20 @@
       <p:cxnSp>
         <p:nvCxnSpPr>
           <p:cNvPr id="131" name="Conector angular 130"/>
-          <p:cNvCxnSpPr/>
+          <p:cNvCxnSpPr>
+            <a:stCxn id="129" idx="2"/>
+            <a:endCxn id="132" idx="0"/>
+          </p:cNvCxnSpPr>
           <p:nvPr/>
         </p:nvCxnSpPr>
         <p:spPr>
-          <a:xfrm rot="16200000" flipH="1">
-            <a:off x="7073647" y="4696996"/>
-            <a:ext cx="179087" cy="4"/>
+          <a:xfrm rot="5400000">
+            <a:off x="7152514" y="4737746"/>
+            <a:ext cx="114931" cy="295"/>
           </a:xfrm>
           <a:prstGeom prst="bentConnector3">
             <a:avLst>
-              <a:gd name="adj1" fmla="val 21235"/>
+              <a:gd name="adj1" fmla="val 50000"/>
             </a:avLst>
           </a:prstGeom>
           <a:ln w="12700">
@@ -4460,7 +4234,7 @@
         </p:nvSpPr>
         <p:spPr>
           <a:xfrm>
-            <a:off x="6527136" y="4803174"/>
+            <a:off x="6577428" y="4795359"/>
             <a:ext cx="1264806" cy="1206072"/>
           </a:xfrm>
           <a:prstGeom prst="rect">
@@ -4493,26 +4267,18 @@
           <a:bodyPr rtlCol="0" anchor="ctr"/>
           <a:lstStyle/>
           <a:p>
-            <a:r>
-              <a:rPr lang="es-CO" sz="1200" dirty="0" smtClean="0">
-                <a:solidFill>
-                  <a:schemeClr val="tx1"/>
-                </a:solidFill>
-              </a:rPr>
-              <a:t>hectogramo </a:t>
-            </a:r>
             <a:r>
               <a:rPr lang="es-CO" sz="1200" dirty="0">
                 <a:solidFill>
                   <a:schemeClr val="tx1"/>
                 </a:solidFill>
               </a:rPr>
-              <a:t>(hg) </a:t>
-            </a:r>
-          </a:p>
-          <a:p>
-            <a:r>
-              <a:rPr lang="es-CO" sz="1200" dirty="0" smtClean="0">
+              <a:t>hectogramo (hg) </a:t>
+            </a:r>
+          </a:p>
+          <a:p>
+            <a:r>
+              <a:rPr lang="es-CO" sz="1200" dirty="0">
                 <a:solidFill>
                   <a:schemeClr val="tx1"/>
                 </a:solidFill>
@@ -4520,7 +4286,7 @@
               <a:t>decagramo (</a:t>
             </a:r>
             <a:r>
-              <a:rPr lang="es-CO" sz="1200" dirty="0" err="1" smtClean="0">
+              <a:rPr lang="es-CO" sz="1200" dirty="0" err="1">
                 <a:solidFill>
                   <a:schemeClr val="tx1"/>
                 </a:solidFill>
@@ -4538,80 +4304,43 @@
           </a:p>
           <a:p>
             <a:r>
-              <a:rPr lang="es-CO" sz="1200" dirty="0" smtClean="0">
-                <a:solidFill>
-                  <a:schemeClr val="tx1"/>
-                </a:solidFill>
-              </a:rPr>
-              <a:t>gramo </a:t>
-            </a:r>
-            <a:r>
               <a:rPr lang="es-CO" sz="1200" dirty="0">
                 <a:solidFill>
                   <a:schemeClr val="tx1"/>
                 </a:solidFill>
               </a:rPr>
-              <a:t>(g) </a:t>
-            </a:r>
-          </a:p>
-          <a:p>
-            <a:r>
-              <a:rPr lang="es-CO" sz="1200" dirty="0" smtClean="0">
-                <a:solidFill>
-                  <a:schemeClr val="tx1"/>
-                </a:solidFill>
-              </a:rPr>
-              <a:t>decigramo </a:t>
-            </a:r>
+              <a:t>gramo (g) </a:t>
+            </a:r>
+          </a:p>
+          <a:p>
             <a:r>
               <a:rPr lang="es-CO" sz="1200" dirty="0">
                 <a:solidFill>
                   <a:schemeClr val="tx1"/>
                 </a:solidFill>
               </a:rPr>
-              <a:t>(dg) </a:t>
-            </a:r>
-          </a:p>
-          <a:p>
-            <a:r>
-              <a:rPr lang="es-CO" sz="1200" dirty="0" smtClean="0">
-                <a:solidFill>
-                  <a:schemeClr val="tx1"/>
-                </a:solidFill>
-              </a:rPr>
-              <a:t>centigramo </a:t>
-            </a:r>
+              <a:t>decigramo (dg) </a:t>
+            </a:r>
+          </a:p>
+          <a:p>
             <a:r>
               <a:rPr lang="es-CO" sz="1200" dirty="0">
                 <a:solidFill>
                   <a:schemeClr val="tx1"/>
                 </a:solidFill>
               </a:rPr>
-              <a:t>(</a:t>
-            </a:r>
-            <a:r>
-              <a:rPr lang="es-CO" sz="1200" dirty="0" smtClean="0">
-                <a:solidFill>
-                  <a:schemeClr val="tx1"/>
-                </a:solidFill>
-              </a:rPr>
-              <a:t>cg)</a:t>
-            </a:r>
-          </a:p>
-          <a:p>
-            <a:r>
-              <a:rPr lang="es-CO" sz="1200" dirty="0" smtClean="0">
+              <a:t>centigramo (cg)</a:t>
+            </a:r>
+          </a:p>
+          <a:p>
+            <a:r>
+              <a:rPr lang="es-CO" sz="1200" dirty="0">
                 <a:solidFill>
                   <a:schemeClr val="tx1"/>
                 </a:solidFill>
               </a:rPr>
               <a:t>miligramo (mg)</a:t>
             </a:r>
-            <a:endParaRPr lang="es-CO" sz="1200" dirty="0">
-              <a:solidFill>
-                <a:schemeClr val="tx1"/>
-              </a:solidFill>
-            </a:endParaRPr>
           </a:p>
         </p:txBody>
       </p:sp>
@@ -4623,8 +4352,8 @@
         </p:nvSpPr>
         <p:spPr>
           <a:xfrm>
-            <a:off x="7641789" y="4406632"/>
-            <a:ext cx="1394243" cy="276999"/>
+            <a:off x="8094673" y="4406632"/>
+            <a:ext cx="787014" cy="276999"/>
           </a:xfrm>
           <a:prstGeom prst="rect">
             <a:avLst/>
@@ -4639,7 +4368,7 @@
           <a:p>
             <a:pPr algn="ctr"/>
             <a:r>
-              <a:rPr lang="es-ES" sz="1200" dirty="0" smtClean="0"/>
+              <a:rPr lang="es-ES" sz="1200" dirty="0"/>
               <a:t>múltiplos</a:t>
             </a:r>
             <a:endParaRPr lang="es-ES" sz="1200" baseline="30000" dirty="0"/>
@@ -4649,13 +4378,16 @@
       <p:cxnSp>
         <p:nvCxnSpPr>
           <p:cNvPr id="136" name="Conector angular 135"/>
-          <p:cNvCxnSpPr/>
+          <p:cNvCxnSpPr>
+            <a:stCxn id="108" idx="2"/>
+            <a:endCxn id="135" idx="0"/>
+          </p:cNvCxnSpPr>
           <p:nvPr/>
         </p:nvCxnSpPr>
         <p:spPr>
-          <a:xfrm rot="16200000" flipH="1">
-            <a:off x="8276503" y="4328123"/>
-            <a:ext cx="179087" cy="4"/>
+          <a:xfrm rot="5400000">
+            <a:off x="8399221" y="4316620"/>
+            <a:ext cx="178972" cy="1053"/>
           </a:xfrm>
           <a:prstGeom prst="bentConnector3">
             <a:avLst>
@@ -4686,17 +4418,20 @@
       <p:cxnSp>
         <p:nvCxnSpPr>
           <p:cNvPr id="138" name="Conector angular 137"/>
-          <p:cNvCxnSpPr/>
+          <p:cNvCxnSpPr>
+            <a:stCxn id="135" idx="2"/>
+            <a:endCxn id="139" idx="0"/>
+          </p:cNvCxnSpPr>
           <p:nvPr/>
         </p:nvCxnSpPr>
         <p:spPr>
           <a:xfrm rot="16200000" flipH="1">
-            <a:off x="8273686" y="4718252"/>
-            <a:ext cx="179087" cy="4"/>
+            <a:off x="8431884" y="4739927"/>
+            <a:ext cx="113647" cy="1054"/>
           </a:xfrm>
           <a:prstGeom prst="bentConnector3">
             <a:avLst>
-              <a:gd name="adj1" fmla="val 21235"/>
+              <a:gd name="adj1" fmla="val 50000"/>
             </a:avLst>
           </a:prstGeom>
           <a:ln w="12700">
@@ -4728,7 +4463,7 @@
         </p:nvSpPr>
         <p:spPr>
           <a:xfrm>
-            <a:off x="7812459" y="4820723"/>
+            <a:off x="7951569" y="4797278"/>
             <a:ext cx="1075329" cy="605245"/>
           </a:xfrm>
           <a:prstGeom prst="rect">
@@ -4763,7 +4498,7 @@
           <a:p>
             <a:pPr algn="ctr"/>
             <a:r>
-              <a:rPr lang="es-ES" sz="1200" dirty="0" smtClean="0">
+              <a:rPr lang="es-ES" sz="1200" dirty="0">
                 <a:solidFill>
                   <a:schemeClr val="tx1"/>
                 </a:solidFill>
@@ -4774,18 +4509,13 @@
           <a:p>
             <a:pPr algn="ctr"/>
             <a:r>
-              <a:rPr lang="es-ES" sz="1200" dirty="0" smtClean="0">
+              <a:rPr lang="es-ES" sz="1200" dirty="0">
                 <a:solidFill>
                   <a:schemeClr val="tx1"/>
                 </a:solidFill>
               </a:rPr>
               <a:t>hora (h)</a:t>
             </a:r>
-            <a:endParaRPr lang="es-ES" sz="1200" dirty="0">
-              <a:solidFill>
-                <a:schemeClr val="tx1"/>
-              </a:solidFill>
-            </a:endParaRPr>
           </a:p>
         </p:txBody>
       </p:sp>
@@ -4793,17 +4523,20 @@
         <p:nvCxnSpPr>
           <p:cNvPr id="140" name="Conector angular 139"/>
           <p:cNvCxnSpPr>
+            <a:stCxn id="27" idx="2"/>
             <a:endCxn id="49" idx="0"/>
           </p:cNvCxnSpPr>
           <p:nvPr/>
         </p:nvCxnSpPr>
         <p:spPr>
-          <a:xfrm rot="10800000" flipV="1">
-            <a:off x="4327473" y="2363659"/>
-            <a:ext cx="421614" cy="102949"/>
-          </a:xfrm>
-          <a:prstGeom prst="bentConnector2">
-            <a:avLst/>
+          <a:xfrm rot="5400000">
+            <a:off x="4553788" y="2263218"/>
+            <a:ext cx="134557" cy="272225"/>
+          </a:xfrm>
+          <a:prstGeom prst="bentConnector3">
+            <a:avLst>
+              <a:gd name="adj1" fmla="val 50000"/>
+            </a:avLst>
           </a:prstGeom>
           <a:ln w="12700">
             <a:solidFill>
@@ -4830,17 +4563,20 @@
         <p:nvCxnSpPr>
           <p:cNvPr id="141" name="Conector angular 140"/>
           <p:cNvCxnSpPr>
+            <a:stCxn id="27" idx="2"/>
             <a:endCxn id="50" idx="0"/>
           </p:cNvCxnSpPr>
           <p:nvPr/>
         </p:nvCxnSpPr>
         <p:spPr>
-          <a:xfrm>
-            <a:off x="4763009" y="2372924"/>
-            <a:ext cx="2342026" cy="93599"/>
-          </a:xfrm>
-          <a:prstGeom prst="bentConnector2">
-            <a:avLst/>
+          <a:xfrm rot="16200000" flipH="1">
+            <a:off x="5915687" y="1173542"/>
+            <a:ext cx="134471" cy="2451489"/>
+          </a:xfrm>
+          <a:prstGeom prst="bentConnector3">
+            <a:avLst>
+              <a:gd name="adj1" fmla="val 50000"/>
+            </a:avLst>
           </a:prstGeom>
           <a:ln w="12700">
             <a:solidFill>
@@ -4871,8 +4607,8 @@
         </p:nvSpPr>
         <p:spPr>
           <a:xfrm>
-            <a:off x="1752600" y="4826240"/>
-            <a:ext cx="1828800" cy="605245"/>
+            <a:off x="1783860" y="4795977"/>
+            <a:ext cx="1828800" cy="665770"/>
           </a:xfrm>
           <a:prstGeom prst="rect">
             <a:avLst/>
@@ -4911,25 +4647,9 @@
                   <a:schemeClr val="tx1"/>
                 </a:solidFill>
               </a:rPr>
-              <a:t>k</a:t>
-            </a:r>
-            <a:r>
-              <a:rPr lang="es-ES" sz="1400" dirty="0" smtClean="0">
-                <a:solidFill>
-                  <a:schemeClr val="tx1"/>
-                </a:solidFill>
-              </a:rPr>
-              <a:t>il</a:t>
-            </a:r>
-            <a:r>
-              <a:rPr lang="es-ES" sz="1400" dirty="0" smtClean="0">
-                <a:solidFill>
-                  <a:schemeClr val="tx1"/>
-                </a:solidFill>
-              </a:rPr>
-              <a:t>ómetro cuadrado</a:t>
-            </a:r>
-            <a:endParaRPr lang="es-ES" sz="1400" baseline="30000" dirty="0" smtClean="0">
+              <a:t>kilómetro cuadrado</a:t>
+            </a:r>
+            <a:endParaRPr lang="es-ES" sz="1400" baseline="30000" dirty="0">
               <a:solidFill>
                 <a:schemeClr val="tx1"/>
               </a:solidFill>
@@ -4943,47 +4663,23 @@
                   <a:schemeClr val="tx1"/>
                 </a:solidFill>
               </a:rPr>
-              <a:t>h</a:t>
-            </a:r>
-            <a:r>
-              <a:rPr lang="es-ES" sz="1400" dirty="0" smtClean="0">
+              <a:t>hectómetro cuadrado</a:t>
+            </a:r>
+            <a:endParaRPr lang="es-ES" sz="1400" baseline="30000" dirty="0">
+              <a:solidFill>
+                <a:schemeClr val="tx1"/>
+              </a:solidFill>
+            </a:endParaRPr>
+          </a:p>
+          <a:p>
+            <a:pPr algn="ctr"/>
+            <a:r>
+              <a:rPr lang="es-ES" sz="1400" dirty="0">
                 <a:solidFill>
                   <a:schemeClr val="tx1"/>
                 </a:solidFill>
               </a:rPr>
-              <a:t>ect</a:t>
-            </a:r>
-            <a:r>
-              <a:rPr lang="es-ES" sz="1400" dirty="0" smtClean="0">
-                <a:solidFill>
-                  <a:schemeClr val="tx1"/>
-                </a:solidFill>
-              </a:rPr>
-              <a:t>ómetro cuadrado</a:t>
-            </a:r>
-            <a:endParaRPr lang="es-ES" sz="1400" baseline="30000" dirty="0" smtClean="0">
-              <a:solidFill>
-                <a:schemeClr val="tx1"/>
-              </a:solidFill>
-            </a:endParaRPr>
-          </a:p>
-          <a:p>
-            <a:pPr algn="ctr"/>
-            <a:r>
-              <a:rPr lang="es-ES" sz="1400" dirty="0" smtClean="0">
-                <a:solidFill>
-                  <a:schemeClr val="tx1"/>
-                </a:solidFill>
-              </a:rPr>
-              <a:t>dec</a:t>
-            </a:r>
-            <a:r>
-              <a:rPr lang="es-ES" sz="1400" dirty="0" smtClean="0">
-                <a:solidFill>
-                  <a:schemeClr val="tx1"/>
-                </a:solidFill>
-              </a:rPr>
-              <a:t>ámetro cuadrado</a:t>
+              <a:t>decámetro cuadrado</a:t>
             </a:r>
             <a:endParaRPr lang="es-ES" sz="1400" baseline="30000" dirty="0">
               <a:solidFill>
@@ -5001,8 +4697,8 @@
         </p:nvSpPr>
         <p:spPr>
           <a:xfrm>
-            <a:off x="1765300" y="6004452"/>
-            <a:ext cx="1803400" cy="605245"/>
+            <a:off x="1796560" y="6013264"/>
+            <a:ext cx="1803400" cy="665770"/>
           </a:xfrm>
           <a:prstGeom prst="rect">
             <a:avLst/>
@@ -5041,25 +4737,9 @@
                   <a:schemeClr val="tx1"/>
                 </a:solidFill>
               </a:rPr>
-              <a:t>d</a:t>
-            </a:r>
-            <a:r>
-              <a:rPr lang="es-ES" sz="1400" dirty="0" smtClean="0">
-                <a:solidFill>
-                  <a:schemeClr val="tx1"/>
-                </a:solidFill>
-              </a:rPr>
-              <a:t>ec</a:t>
-            </a:r>
-            <a:r>
-              <a:rPr lang="es-ES" sz="1400" dirty="0" smtClean="0">
-                <a:solidFill>
-                  <a:schemeClr val="tx1"/>
-                </a:solidFill>
-              </a:rPr>
-              <a:t>ímetro cuadrado</a:t>
-            </a:r>
-            <a:endParaRPr lang="es-ES" sz="1400" baseline="30000" dirty="0" smtClean="0">
+              <a:t>decímetro cuadrado</a:t>
+            </a:r>
+            <a:endParaRPr lang="es-ES" sz="1400" baseline="30000" dirty="0">
               <a:solidFill>
                 <a:schemeClr val="tx1"/>
               </a:solidFill>
@@ -5073,25 +4753,9 @@
                   <a:schemeClr val="tx1"/>
                 </a:solidFill>
               </a:rPr>
-              <a:t>c</a:t>
-            </a:r>
-            <a:r>
-              <a:rPr lang="es-ES" sz="1400" dirty="0" smtClean="0">
-                <a:solidFill>
-                  <a:schemeClr val="tx1"/>
-                </a:solidFill>
-              </a:rPr>
-              <a:t>ent</a:t>
-            </a:r>
-            <a:r>
-              <a:rPr lang="es-ES" sz="1400" dirty="0" smtClean="0">
-                <a:solidFill>
-                  <a:schemeClr val="tx1"/>
-                </a:solidFill>
-              </a:rPr>
-              <a:t>ímetro cuadrado</a:t>
-            </a:r>
-            <a:endParaRPr lang="es-ES" sz="1400" baseline="30000" dirty="0" smtClean="0">
+              <a:t>centímetro cuadrado</a:t>
+            </a:r>
+            <a:endParaRPr lang="es-ES" sz="1400" baseline="30000" dirty="0">
               <a:solidFill>
                 <a:schemeClr val="tx1"/>
               </a:solidFill>
@@ -5105,23 +4769,7 @@
                   <a:schemeClr val="tx1"/>
                 </a:solidFill>
               </a:rPr>
-              <a:t>m</a:t>
-            </a:r>
-            <a:r>
-              <a:rPr lang="es-ES" sz="1400" dirty="0" smtClean="0">
-                <a:solidFill>
-                  <a:schemeClr val="tx1"/>
-                </a:solidFill>
-              </a:rPr>
-              <a:t>il</a:t>
-            </a:r>
-            <a:r>
-              <a:rPr lang="es-ES" sz="1400" dirty="0" smtClean="0">
-                <a:solidFill>
-                  <a:schemeClr val="tx1"/>
-                </a:solidFill>
-              </a:rPr>
-              <a:t>ímetro cuadrado</a:t>
+              <a:t>milímetro cuadrado</a:t>
             </a:r>
             <a:endParaRPr lang="es-ES" sz="1400" baseline="30000" dirty="0">
               <a:solidFill>
@@ -5141,13 +4789,6 @@
   <p:clrMapOvr>
     <a:masterClrMapping/>
   </p:clrMapOvr>
-  <p:timing>
-    <p:tnLst>
-      <p:par>
-        <p:cTn xmlns:p14="http://schemas.microsoft.com/office/powerpoint/2010/main" id="1" dur="indefinite" restart="never" nodeType="tmRoot"/>
-      </p:par>
-    </p:tnLst>
-  </p:timing>
 </p:sld>
 </file>
 
@@ -5406,7 +5047,7 @@
   <a:extraClrSchemeLst/>
   <a:extLst>
     <a:ext uri="{05A4C25C-085E-4340-85A3-A5531E510DB2}">
-      <thm15:themeFamily xmlns:thm15="http://schemas.microsoft.com/office/thememl/2012/main" xmlns="" name="Office Theme" id="{62F939B6-93AF-4DB8-9C6B-D6C7DFDC589F}" vid="{4A3C46E8-61CC-4603-A589-7422A47A8E4A}"/>
+      <thm15:themeFamily xmlns:thm15="http://schemas.microsoft.com/office/thememl/2012/main" name="Office Theme" id="{62F939B6-93AF-4DB8-9C6B-D6C7DFDC589F}" vid="{4A3C46E8-61CC-4603-A589-7422A47A8E4A}"/>
     </a:ext>
   </a:extLst>
 </a:theme>
